--- a/project_files/k-CSPP.pptx
+++ b/project_files/k-CSPP.pptx
@@ -5,7 +5,7 @@
     <p:sldMasterId id="2147483732" r:id="rId1"/>
   </p:sldMasterIdLst>
   <p:notesMasterIdLst>
-    <p:notesMasterId r:id="rId23"/>
+    <p:notesMasterId r:id="rId24"/>
   </p:notesMasterIdLst>
   <p:sldIdLst>
     <p:sldId id="256" r:id="rId2"/>
@@ -23,12 +23,13 @@
     <p:sldId id="271" r:id="rId14"/>
     <p:sldId id="269" r:id="rId15"/>
     <p:sldId id="272" r:id="rId16"/>
-    <p:sldId id="273" r:id="rId17"/>
-    <p:sldId id="274" r:id="rId18"/>
-    <p:sldId id="275" r:id="rId19"/>
-    <p:sldId id="277" r:id="rId20"/>
-    <p:sldId id="278" r:id="rId21"/>
-    <p:sldId id="279" r:id="rId22"/>
+    <p:sldId id="282" r:id="rId17"/>
+    <p:sldId id="280" r:id="rId18"/>
+    <p:sldId id="273" r:id="rId19"/>
+    <p:sldId id="274" r:id="rId20"/>
+    <p:sldId id="277" r:id="rId21"/>
+    <p:sldId id="278" r:id="rId22"/>
+    <p:sldId id="279" r:id="rId23"/>
   </p:sldIdLst>
   <p:sldSz cx="12192000" cy="6858000"/>
   <p:notesSz cx="6858000" cy="9144000"/>
@@ -131,6 +132,9 @@
     <p:ext uri="{EFAFB233-063F-42B5-8137-9DF3F51BA10A}">
       <p15:sldGuideLst xmlns:p15="http://schemas.microsoft.com/office/powerpoint/2012/main"/>
     </p:ext>
+    <p:ext uri="{2D200454-40CA-4A62-9FC3-DE9A4176ACB9}">
+      <p15:notesGuideLst xmlns:p15="http://schemas.microsoft.com/office/powerpoint/2012/main"/>
+    </p:ext>
   </p:extLst>
 </p:presentation>
 </file>
@@ -217,7 +221,7 @@
           <a:p>
             <a:fld id="{A919D214-E605-FD4E-9351-595C7DCEC7D9}" type="datetimeFigureOut">
               <a:rPr lang="en-GB" smtClean="0"/>
-              <a:t>23/06/2025</a:t>
+              <a:t>24/06/2025</a:t>
             </a:fld>
             <a:endParaRPr lang="en-GB"/>
           </a:p>
@@ -485,6 +489,90 @@
 </p:notesMaster>
 </file>
 
+<file path=ppt/notesSlides/notesSlide1.xml><?xml version="1.0" encoding="utf-8"?>
+<p:notes xmlns:a="http://schemas.openxmlformats.org/drawingml/2006/main" xmlns:r="http://schemas.openxmlformats.org/officeDocument/2006/relationships" xmlns:p="http://schemas.openxmlformats.org/presentationml/2006/main">
+  <p:cSld>
+    <p:spTree>
+      <p:nvGrpSpPr>
+        <p:cNvPr id="1" name=""/>
+        <p:cNvGrpSpPr/>
+        <p:nvPr/>
+      </p:nvGrpSpPr>
+      <p:grpSpPr>
+        <a:xfrm>
+          <a:off x="0" y="0"/>
+          <a:ext cx="0" cy="0"/>
+          <a:chOff x="0" y="0"/>
+          <a:chExt cx="0" cy="0"/>
+        </a:xfrm>
+      </p:grpSpPr>
+      <p:sp>
+        <p:nvSpPr>
+          <p:cNvPr id="2" name="Slide Image Placeholder 1"/>
+          <p:cNvSpPr>
+            <a:spLocks noGrp="1" noRot="1" noChangeAspect="1"/>
+          </p:cNvSpPr>
+          <p:nvPr>
+            <p:ph type="sldImg"/>
+          </p:nvPr>
+        </p:nvSpPr>
+        <p:spPr/>
+      </p:sp>
+      <p:sp>
+        <p:nvSpPr>
+          <p:cNvPr id="3" name="Notes Placeholder 2"/>
+          <p:cNvSpPr>
+            <a:spLocks noGrp="1"/>
+          </p:cNvSpPr>
+          <p:nvPr>
+            <p:ph type="body" idx="1"/>
+          </p:nvPr>
+        </p:nvSpPr>
+        <p:spPr/>
+        <p:txBody>
+          <a:bodyPr/>
+          <a:lstStyle/>
+          <a:p>
+            <a:endParaRPr lang="en-GB"/>
+          </a:p>
+        </p:txBody>
+      </p:sp>
+      <p:sp>
+        <p:nvSpPr>
+          <p:cNvPr id="4" name="Slide Number Placeholder 3"/>
+          <p:cNvSpPr>
+            <a:spLocks noGrp="1"/>
+          </p:cNvSpPr>
+          <p:nvPr>
+            <p:ph type="sldNum" sz="quarter" idx="5"/>
+          </p:nvPr>
+        </p:nvSpPr>
+        <p:spPr/>
+        <p:txBody>
+          <a:bodyPr/>
+          <a:lstStyle/>
+          <a:p>
+            <a:fld id="{0502EDFE-4DAD-484D-BDBE-CA6A0AFFE7D3}" type="slidenum">
+              <a:rPr lang="en-GB" smtClean="0"/>
+              <a:t>12</a:t>
+            </a:fld>
+            <a:endParaRPr lang="en-GB"/>
+          </a:p>
+        </p:txBody>
+      </p:sp>
+    </p:spTree>
+    <p:extLst>
+      <p:ext uri="{BB962C8B-B14F-4D97-AF65-F5344CB8AC3E}">
+        <p14:creationId xmlns:p14="http://schemas.microsoft.com/office/powerpoint/2010/main" val="4058200491"/>
+      </p:ext>
+    </p:extLst>
+  </p:cSld>
+  <p:clrMapOvr>
+    <a:masterClrMapping/>
+  </p:clrMapOvr>
+</p:notes>
+</file>
+
 <file path=ppt/slideLayouts/slideLayout1.xml><?xml version="1.0" encoding="utf-8"?>
 <p:sldLayout xmlns:a="http://schemas.openxmlformats.org/drawingml/2006/main" xmlns:r="http://schemas.openxmlformats.org/officeDocument/2006/relationships" xmlns:p="http://schemas.openxmlformats.org/presentationml/2006/main" type="title" preserve="1">
   <p:cSld name="Title Slide">
@@ -638,7 +726,7 @@
           <a:p>
             <a:fld id="{29782FCD-FE3F-4543-A331-DDC74CA68E89}" type="datetime1">
               <a:rPr lang="en-US" smtClean="0"/>
-              <a:t>6/23/2025</a:t>
+              <a:t>6/24/2025</a:t>
             </a:fld>
             <a:endParaRPr lang="en-US"/>
           </a:p>
@@ -846,7 +934,7 @@
           <a:p>
             <a:fld id="{8BD16290-8B37-F64E-AEEF-10A95BEAC571}" type="datetime1">
               <a:rPr lang="en-US" smtClean="0"/>
-              <a:t>6/23/2025</a:t>
+              <a:t>6/24/2025</a:t>
             </a:fld>
             <a:endParaRPr lang="en-US"/>
           </a:p>
@@ -1056,7 +1144,7 @@
           <a:p>
             <a:fld id="{D497F664-69AE-414C-9F62-7AA162E6466D}" type="datetime1">
               <a:rPr lang="en-US" smtClean="0"/>
-              <a:t>6/23/2025</a:t>
+              <a:t>6/24/2025</a:t>
             </a:fld>
             <a:endParaRPr lang="en-US"/>
           </a:p>
@@ -1254,7 +1342,7 @@
           <a:p>
             <a:fld id="{B7D20C96-24E4-2944-967E-230D9447D5B6}" type="datetime1">
               <a:rPr lang="en-US" smtClean="0"/>
-              <a:t>6/23/2025</a:t>
+              <a:t>6/24/2025</a:t>
             </a:fld>
             <a:endParaRPr lang="en-US"/>
           </a:p>
@@ -1532,7 +1620,7 @@
           <a:p>
             <a:fld id="{B26CC8F7-A905-E14F-8C09-6A4EA292AB6B}" type="datetime1">
               <a:rPr lang="en-US" smtClean="0"/>
-              <a:t>6/23/2025</a:t>
+              <a:t>6/24/2025</a:t>
             </a:fld>
             <a:endParaRPr lang="en-US"/>
           </a:p>
@@ -1804,7 +1892,7 @@
           <a:p>
             <a:fld id="{0686219D-7CA2-F547-90B5-CA3BF625F9CF}" type="datetime1">
               <a:rPr lang="en-US" smtClean="0"/>
-              <a:t>6/23/2025</a:t>
+              <a:t>6/24/2025</a:t>
             </a:fld>
             <a:endParaRPr lang="en-US"/>
           </a:p>
@@ -2228,7 +2316,7 @@
           <a:p>
             <a:fld id="{907D6471-FACB-D149-A0E0-06105917B32F}" type="datetime1">
               <a:rPr lang="en-US" smtClean="0"/>
-              <a:t>6/23/2025</a:t>
+              <a:t>6/24/2025</a:t>
             </a:fld>
             <a:endParaRPr lang="en-US"/>
           </a:p>
@@ -2369,7 +2457,7 @@
           <a:p>
             <a:fld id="{B3FE2208-C0AB-5748-ABF1-1E8EE6DB832E}" type="datetime1">
               <a:rPr lang="en-US" smtClean="0"/>
-              <a:t>6/23/2025</a:t>
+              <a:t>6/24/2025</a:t>
             </a:fld>
             <a:endParaRPr lang="en-US"/>
           </a:p>
@@ -2482,7 +2570,7 @@
           <a:p>
             <a:fld id="{759A06D2-A646-B744-917D-17BC1A904420}" type="datetime1">
               <a:rPr lang="en-US" smtClean="0"/>
-              <a:t>6/23/2025</a:t>
+              <a:t>6/24/2025</a:t>
             </a:fld>
             <a:endParaRPr lang="en-US"/>
           </a:p>
@@ -2801,7 +2889,7 @@
           <a:p>
             <a:fld id="{164E313E-3B4C-364F-BF77-26A1477D5A7C}" type="datetime1">
               <a:rPr lang="en-US" smtClean="0"/>
-              <a:t>6/23/2025</a:t>
+              <a:t>6/24/2025</a:t>
             </a:fld>
             <a:endParaRPr lang="en-US"/>
           </a:p>
@@ -3095,7 +3183,7 @@
           <a:p>
             <a:fld id="{6214C0FD-FA97-E444-87FE-1F18B25A44A9}" type="datetime1">
               <a:rPr lang="en-US" smtClean="0"/>
-              <a:t>6/23/2025</a:t>
+              <a:t>6/24/2025</a:t>
             </a:fld>
             <a:endParaRPr lang="en-US"/>
           </a:p>
@@ -3336,7 +3424,7 @@
           <a:p>
             <a:fld id="{AF2BEC66-4CF8-5E42-9E49-96BD62811E5B}" type="datetime1">
               <a:rPr lang="en-US" smtClean="0"/>
-              <a:t>6/23/2025</a:t>
+              <a:t>6/24/2025</a:t>
             </a:fld>
             <a:endParaRPr lang="en-US"/>
           </a:p>
@@ -4801,35 +4889,6 @@
           </a:p>
         </p:txBody>
       </p:sp>
-      <p:pic>
-        <p:nvPicPr>
-          <p:cNvPr id="6" name="Content Placeholder 5" descr="A math equations and formulas&#10;&#10;AI-generated content may be incorrect.">
-            <a:extLst>
-              <a:ext uri="{FF2B5EF4-FFF2-40B4-BE49-F238E27FC236}">
-                <a16:creationId xmlns:a16="http://schemas.microsoft.com/office/drawing/2014/main" id="{A8D84AC6-3A1A-587B-EA73-23A00211192A}"/>
-              </a:ext>
-            </a:extLst>
-          </p:cNvPr>
-          <p:cNvPicPr>
-            <a:picLocks noGrp="1" noChangeAspect="1"/>
-          </p:cNvPicPr>
-          <p:nvPr>
-            <p:ph idx="1"/>
-          </p:nvPr>
-        </p:nvPicPr>
-        <p:blipFill>
-          <a:blip r:embed="rId2"/>
-          <a:stretch>
-            <a:fillRect/>
-          </a:stretch>
-        </p:blipFill>
-        <p:spPr>
-          <a:xfrm>
-            <a:off x="612775" y="2393113"/>
-            <a:ext cx="10653713" cy="3238587"/>
-          </a:xfrm>
-        </p:spPr>
-      </p:pic>
       <p:sp>
         <p:nvSpPr>
           <p:cNvPr id="4" name="Slide Number Placeholder 3">
@@ -4973,6 +5032,35 @@
           </a:p>
         </p:txBody>
       </p:sp>
+      <p:pic>
+        <p:nvPicPr>
+          <p:cNvPr id="9" name="Content Placeholder 8" descr="A math equations and formulas&#10;&#10;AI-generated content may be incorrect.">
+            <a:extLst>
+              <a:ext uri="{FF2B5EF4-FFF2-40B4-BE49-F238E27FC236}">
+                <a16:creationId xmlns:a16="http://schemas.microsoft.com/office/drawing/2014/main" id="{A817DAC3-0792-8BC2-7414-C8BBA3A6BAB7}"/>
+              </a:ext>
+            </a:extLst>
+          </p:cNvPr>
+          <p:cNvPicPr>
+            <a:picLocks noGrp="1" noChangeAspect="1"/>
+          </p:cNvPicPr>
+          <p:nvPr>
+            <p:ph idx="1"/>
+          </p:nvPr>
+        </p:nvPicPr>
+        <p:blipFill>
+          <a:blip r:embed="rId2"/>
+          <a:stretch>
+            <a:fillRect/>
+          </a:stretch>
+        </p:blipFill>
+        <p:spPr>
+          <a:xfrm>
+            <a:off x="527982" y="2116397"/>
+            <a:ext cx="11282689" cy="3038408"/>
+          </a:xfrm>
+        </p:spPr>
+      </p:pic>
     </p:spTree>
     <p:extLst>
       <p:ext uri="{BB962C8B-B14F-4D97-AF65-F5344CB8AC3E}">
@@ -5033,53 +5121,6 @@
       </p:sp>
       <p:sp>
         <p:nvSpPr>
-          <p:cNvPr id="3" name="Content Placeholder 2">
-            <a:extLst>
-              <a:ext uri="{FF2B5EF4-FFF2-40B4-BE49-F238E27FC236}">
-                <a16:creationId xmlns:a16="http://schemas.microsoft.com/office/drawing/2014/main" id="{779FDDB5-C2B8-0D73-D4A0-2D65683B7402}"/>
-              </a:ext>
-            </a:extLst>
-          </p:cNvPr>
-          <p:cNvSpPr>
-            <a:spLocks noGrp="1"/>
-          </p:cNvSpPr>
-          <p:nvPr>
-            <p:ph idx="1"/>
-          </p:nvPr>
-        </p:nvSpPr>
-        <p:spPr/>
-        <p:txBody>
-          <a:bodyPr/>
-          <a:lstStyle/>
-          <a:p>
-            <a:pPr marL="0" indent="0">
-              <a:buNone/>
-            </a:pPr>
-            <a:r>
-              <a:rPr lang="en-GB" dirty="0"/>
-              <a:t>Proof: </a:t>
-            </a:r>
-            <a:r>
-              <a:rPr lang="en-GB" i="1" dirty="0"/>
-              <a:t>reductio ad absurdum</a:t>
-            </a:r>
-          </a:p>
-          <a:p>
-            <a:pPr marL="0" indent="0">
-              <a:buNone/>
-            </a:pPr>
-            <a:endParaRPr lang="en-GB" i="1" dirty="0"/>
-          </a:p>
-          <a:p>
-            <a:pPr marL="0" indent="0">
-              <a:buNone/>
-            </a:pPr>
-            <a:endParaRPr lang="en-GB" dirty="0"/>
-          </a:p>
-        </p:txBody>
-      </p:sp>
-      <p:sp>
-        <p:nvSpPr>
           <p:cNvPr id="4" name="Slide Number Placeholder 3">
             <a:extLst>
               <a:ext uri="{FF2B5EF4-FFF2-40B4-BE49-F238E27FC236}">
@@ -5107,36 +5148,6 @@
           </a:p>
         </p:txBody>
       </p:sp>
-      <p:pic>
-        <p:nvPicPr>
-          <p:cNvPr id="6" name="Picture 5" descr="A math equations on a white background&#10;&#10;AI-generated content may be incorrect.">
-            <a:extLst>
-              <a:ext uri="{FF2B5EF4-FFF2-40B4-BE49-F238E27FC236}">
-                <a16:creationId xmlns:a16="http://schemas.microsoft.com/office/drawing/2014/main" id="{4A3DA138-604A-0119-9AE7-1746F9EE8D7D}"/>
-              </a:ext>
-            </a:extLst>
-          </p:cNvPr>
-          <p:cNvPicPr>
-            <a:picLocks noChangeAspect="1"/>
-          </p:cNvPicPr>
-          <p:nvPr/>
-        </p:nvPicPr>
-        <p:blipFill>
-          <a:blip r:embed="rId2"/>
-          <a:stretch>
-            <a:fillRect/>
-          </a:stretch>
-        </p:blipFill>
-        <p:spPr>
-          <a:xfrm>
-            <a:off x="486770" y="2339423"/>
-            <a:ext cx="10905332" cy="2179154"/>
-          </a:xfrm>
-          <a:prstGeom prst="rect">
-            <a:avLst/>
-          </a:prstGeom>
-        </p:spPr>
-      </p:pic>
       <p:sp>
         <p:nvSpPr>
           <p:cNvPr id="7" name="Rectangle 6">
@@ -5251,6 +5262,35 @@
           </a:p>
         </p:txBody>
       </p:sp>
+      <p:pic>
+        <p:nvPicPr>
+          <p:cNvPr id="12" name="Content Placeholder 11" descr="A white paper with black text and black text&#10;&#10;AI-generated content may be incorrect.">
+            <a:extLst>
+              <a:ext uri="{FF2B5EF4-FFF2-40B4-BE49-F238E27FC236}">
+                <a16:creationId xmlns:a16="http://schemas.microsoft.com/office/drawing/2014/main" id="{1D88ED33-ABBE-A4F0-0547-5F0F284976B3}"/>
+              </a:ext>
+            </a:extLst>
+          </p:cNvPr>
+          <p:cNvPicPr>
+            <a:picLocks noGrp="1" noChangeAspect="1"/>
+          </p:cNvPicPr>
+          <p:nvPr>
+            <p:ph idx="1"/>
+          </p:nvPr>
+        </p:nvPicPr>
+        <p:blipFill>
+          <a:blip r:embed="rId3"/>
+          <a:stretch>
+            <a:fillRect/>
+          </a:stretch>
+        </p:blipFill>
+        <p:spPr>
+          <a:xfrm>
+            <a:off x="637906" y="1716088"/>
+            <a:ext cx="10603450" cy="4592637"/>
+          </a:xfrm>
+        </p:spPr>
+      </p:pic>
     </p:spTree>
     <p:extLst>
       <p:ext uri="{BB962C8B-B14F-4D97-AF65-F5344CB8AC3E}">
@@ -5281,40 +5321,12 @@
           <a:chExt cx="0" cy="0"/>
         </a:xfrm>
       </p:grpSpPr>
-      <p:sp>
-        <p:nvSpPr>
-          <p:cNvPr id="2" name="Title 1">
-            <a:extLst>
-              <a:ext uri="{FF2B5EF4-FFF2-40B4-BE49-F238E27FC236}">
-                <a16:creationId xmlns:a16="http://schemas.microsoft.com/office/drawing/2014/main" id="{9D65603C-ABC9-D7F5-55FA-1FCF8A924712}"/>
-              </a:ext>
-            </a:extLst>
-          </p:cNvPr>
-          <p:cNvSpPr>
-            <a:spLocks noGrp="1"/>
-          </p:cNvSpPr>
-          <p:nvPr>
-            <p:ph type="title"/>
-          </p:nvPr>
-        </p:nvSpPr>
-        <p:spPr/>
-        <p:txBody>
-          <a:bodyPr/>
-          <a:lstStyle/>
-          <a:p>
-            <a:r>
-              <a:rPr lang="en-GB" dirty="0"/>
-              <a:t>Graph Reduction Algorithm (GRA)</a:t>
-            </a:r>
-          </a:p>
-        </p:txBody>
-      </p:sp>
       <p:pic>
         <p:nvPicPr>
-          <p:cNvPr id="6" name="Content Placeholder 5" descr="A white text with black text&#10;&#10;AI-generated content may be incorrect.">
-            <a:extLst>
-              <a:ext uri="{FF2B5EF4-FFF2-40B4-BE49-F238E27FC236}">
-                <a16:creationId xmlns:a16="http://schemas.microsoft.com/office/drawing/2014/main" id="{C21DC4FE-5716-FF54-1551-4E1630E6568F}"/>
+          <p:cNvPr id="11" name="Content Placeholder 10" descr="A diagram of a algorithm&#10;&#10;AI-generated content may be incorrect.">
+            <a:extLst>
+              <a:ext uri="{FF2B5EF4-FFF2-40B4-BE49-F238E27FC236}">
+                <a16:creationId xmlns:a16="http://schemas.microsoft.com/office/drawing/2014/main" id="{3BC3D90E-D24F-2799-6FAD-DEAC8024D32F}"/>
               </a:ext>
             </a:extLst>
           </p:cNvPr>
@@ -5333,11 +5345,39 @@
         </p:blipFill>
         <p:spPr>
           <a:xfrm>
-            <a:off x="925774" y="1284572"/>
-            <a:ext cx="10356854" cy="4879921"/>
+            <a:off x="7453649" y="283372"/>
+            <a:ext cx="4738351" cy="5879196"/>
           </a:xfrm>
         </p:spPr>
       </p:pic>
+      <p:sp>
+        <p:nvSpPr>
+          <p:cNvPr id="2" name="Title 1">
+            <a:extLst>
+              <a:ext uri="{FF2B5EF4-FFF2-40B4-BE49-F238E27FC236}">
+                <a16:creationId xmlns:a16="http://schemas.microsoft.com/office/drawing/2014/main" id="{9D65603C-ABC9-D7F5-55FA-1FCF8A924712}"/>
+              </a:ext>
+            </a:extLst>
+          </p:cNvPr>
+          <p:cNvSpPr>
+            <a:spLocks noGrp="1"/>
+          </p:cNvSpPr>
+          <p:nvPr>
+            <p:ph type="title"/>
+          </p:nvPr>
+        </p:nvSpPr>
+        <p:spPr/>
+        <p:txBody>
+          <a:bodyPr/>
+          <a:lstStyle/>
+          <a:p>
+            <a:r>
+              <a:rPr lang="en-GB" dirty="0"/>
+              <a:t>Graph Reduction Algorithm (GRA)</a:t>
+            </a:r>
+          </a:p>
+        </p:txBody>
+      </p:sp>
       <p:sp>
         <p:nvSpPr>
           <p:cNvPr id="4" name="Slide Number Placeholder 3">
@@ -5481,6 +5521,715 @@
           </a:p>
         </p:txBody>
       </p:sp>
+      <mc:AlternateContent xmlns:mc="http://schemas.openxmlformats.org/markup-compatibility/2006" xmlns:a14="http://schemas.microsoft.com/office/drawing/2010/main">
+        <mc:Choice Requires="a14">
+          <p:sp>
+            <p:nvSpPr>
+              <p:cNvPr id="12" name="TextBox 11">
+                <a:extLst>
+                  <a:ext uri="{FF2B5EF4-FFF2-40B4-BE49-F238E27FC236}">
+                    <a16:creationId xmlns:a16="http://schemas.microsoft.com/office/drawing/2014/main" id="{BFB9099C-D003-AFF9-D137-49C2634C1E43}"/>
+                  </a:ext>
+                </a:extLst>
+              </p:cNvPr>
+              <p:cNvSpPr txBox="1"/>
+              <p:nvPr/>
+            </p:nvSpPr>
+            <p:spPr>
+              <a:xfrm>
+                <a:off x="878629" y="1670249"/>
+                <a:ext cx="6309039" cy="3517501"/>
+              </a:xfrm>
+              <a:prstGeom prst="rect">
+                <a:avLst/>
+              </a:prstGeom>
+              <a:noFill/>
+            </p:spPr>
+            <p:txBody>
+              <a:bodyPr wrap="square" rtlCol="0">
+                <a:spAutoFit/>
+              </a:bodyPr>
+              <a:lstStyle/>
+              <a:p>
+                <a:pPr marL="285750" indent="-285750">
+                  <a:buFont typeface="Arial" panose="020B0604020202020204" pitchFamily="34" charset="0"/>
+                  <a:buChar char="•"/>
+                </a:pPr>
+                <a:r>
+                  <a:rPr lang="en-GB" sz="2000" dirty="0"/>
+                  <a:t>Takes as input a graph </a:t>
+                </a:r>
+                <a14:m>
+                  <m:oMath xmlns:m="http://schemas.openxmlformats.org/officeDocument/2006/math">
+                    <m:r>
+                      <a:rPr lang="it-IT" sz="2000" b="0" i="1" smtClean="0">
+                        <a:latin typeface="Cambria Math" panose="02040503050406030204" pitchFamily="18" charset="0"/>
+                      </a:rPr>
+                      <m:t>𝐺</m:t>
+                    </m:r>
+                  </m:oMath>
+                </a14:m>
+                <a:r>
+                  <a:rPr lang="en-GB" sz="2000" dirty="0"/>
+                  <a:t>, source </a:t>
+                </a:r>
+                <a14:m>
+                  <m:oMath xmlns:m="http://schemas.openxmlformats.org/officeDocument/2006/math">
+                    <m:sSub>
+                      <m:sSubPr>
+                        <m:ctrlPr>
+                          <a:rPr lang="it-IT" sz="2000" b="0" i="1" smtClean="0">
+                            <a:latin typeface="Cambria Math" panose="02040503050406030204" pitchFamily="18" charset="0"/>
+                          </a:rPr>
+                        </m:ctrlPr>
+                      </m:sSubPr>
+                      <m:e>
+                        <m:r>
+                          <a:rPr lang="it-IT" sz="2000" b="0" i="1" smtClean="0">
+                            <a:latin typeface="Cambria Math" panose="02040503050406030204" pitchFamily="18" charset="0"/>
+                          </a:rPr>
+                          <m:t>𝑛</m:t>
+                        </m:r>
+                      </m:e>
+                      <m:sub>
+                        <m:r>
+                          <a:rPr lang="it-IT" sz="2000" b="0" i="1" smtClean="0">
+                            <a:latin typeface="Cambria Math" panose="02040503050406030204" pitchFamily="18" charset="0"/>
+                          </a:rPr>
+                          <m:t>𝑠</m:t>
+                        </m:r>
+                      </m:sub>
+                    </m:sSub>
+                  </m:oMath>
+                </a14:m>
+                <a:r>
+                  <a:rPr lang="en-GB" sz="2000" dirty="0"/>
+                  <a:t> and destination </a:t>
+                </a:r>
+                <a14:m>
+                  <m:oMath xmlns:m="http://schemas.openxmlformats.org/officeDocument/2006/math">
+                    <m:sSub>
+                      <m:sSubPr>
+                        <m:ctrlPr>
+                          <a:rPr lang="it-IT" sz="2000" b="0" i="1" smtClean="0">
+                            <a:latin typeface="Cambria Math" panose="02040503050406030204" pitchFamily="18" charset="0"/>
+                          </a:rPr>
+                        </m:ctrlPr>
+                      </m:sSubPr>
+                      <m:e>
+                        <m:r>
+                          <a:rPr lang="it-IT" sz="2000" b="0" i="1" smtClean="0">
+                            <a:latin typeface="Cambria Math" panose="02040503050406030204" pitchFamily="18" charset="0"/>
+                          </a:rPr>
+                          <m:t>𝑛</m:t>
+                        </m:r>
+                      </m:e>
+                      <m:sub>
+                        <m:r>
+                          <a:rPr lang="it-IT" sz="2000" b="0" i="1" smtClean="0">
+                            <a:latin typeface="Cambria Math" panose="02040503050406030204" pitchFamily="18" charset="0"/>
+                          </a:rPr>
+                          <m:t>𝑑</m:t>
+                        </m:r>
+                      </m:sub>
+                    </m:sSub>
+                  </m:oMath>
+                </a14:m>
+                <a:r>
+                  <a:rPr lang="en-GB" sz="2000" dirty="0"/>
+                  <a:t>, an initial admissible solution</a:t>
+                </a:r>
+                <a:r>
+                  <a:rPr lang="it-IT" sz="2000" dirty="0"/>
+                  <a:t> </a:t>
+                </a:r>
+                <a14:m>
+                  <m:oMath xmlns:m="http://schemas.openxmlformats.org/officeDocument/2006/math">
+                    <m:r>
+                      <a:rPr lang="it-IT" sz="2000" b="0" i="1" smtClean="0">
+                        <a:latin typeface="Cambria Math" panose="02040503050406030204" pitchFamily="18" charset="0"/>
+                      </a:rPr>
+                      <m:t>𝑆𝑜𝑙</m:t>
+                    </m:r>
+                  </m:oMath>
+                </a14:m>
+                <a:r>
+                  <a:rPr lang="en-GB" sz="2000" dirty="0"/>
+                  <a:t> computed via CCDA</a:t>
+                </a:r>
+              </a:p>
+              <a:p>
+                <a:pPr marL="285750" indent="-285750">
+                  <a:buFont typeface="Arial" panose="020B0604020202020204" pitchFamily="34" charset="0"/>
+                  <a:buChar char="•"/>
+                </a:pPr>
+                <a:endParaRPr lang="en-GB" sz="2000" dirty="0"/>
+              </a:p>
+              <a:p>
+                <a:pPr marL="285750" indent="-285750">
+                  <a:buFont typeface="Arial" panose="020B0604020202020204" pitchFamily="34" charset="0"/>
+                  <a:buChar char="•"/>
+                </a:pPr>
+                <a:r>
+                  <a:rPr lang="en-GB" sz="2000" dirty="0"/>
+                  <a:t>For each node </a:t>
+                </a:r>
+                <a14:m>
+                  <m:oMath xmlns:m="http://schemas.openxmlformats.org/officeDocument/2006/math">
+                    <m:sSub>
+                      <m:sSubPr>
+                        <m:ctrlPr>
+                          <a:rPr lang="it-IT" sz="2000" b="0" i="1" smtClean="0">
+                            <a:latin typeface="Cambria Math" panose="02040503050406030204" pitchFamily="18" charset="0"/>
+                          </a:rPr>
+                        </m:ctrlPr>
+                      </m:sSubPr>
+                      <m:e>
+                        <m:r>
+                          <a:rPr lang="it-IT" sz="2000" b="0" i="1" smtClean="0">
+                            <a:latin typeface="Cambria Math" panose="02040503050406030204" pitchFamily="18" charset="0"/>
+                          </a:rPr>
+                          <m:t>𝑛</m:t>
+                        </m:r>
+                      </m:e>
+                      <m:sub>
+                        <m:r>
+                          <a:rPr lang="it-IT" sz="2000" b="0" i="1" smtClean="0">
+                            <a:latin typeface="Cambria Math" panose="02040503050406030204" pitchFamily="18" charset="0"/>
+                          </a:rPr>
+                          <m:t>𝑖</m:t>
+                        </m:r>
+                      </m:sub>
+                    </m:sSub>
+                  </m:oMath>
+                </a14:m>
+                <a:r>
+                  <a:rPr lang="en-GB" sz="2000" dirty="0"/>
+                  <a:t> not belonging to the solution, computes </a:t>
+                </a:r>
+                <a:r>
+                  <a:rPr lang="en-GB" sz="2000" u="sng" dirty="0"/>
+                  <a:t>shortest paths</a:t>
+                </a:r>
+                <a:r>
+                  <a:rPr lang="en-GB" sz="2000" dirty="0"/>
+                  <a:t> </a:t>
+                </a:r>
+                <a14:m>
+                  <m:oMath xmlns:m="http://schemas.openxmlformats.org/officeDocument/2006/math">
+                    <m:r>
+                      <a:rPr lang="it-IT" sz="2000" b="0" i="1" smtClean="0">
+                        <a:latin typeface="Cambria Math" panose="02040503050406030204" pitchFamily="18" charset="0"/>
+                      </a:rPr>
+                      <m:t>𝑃</m:t>
+                    </m:r>
+                    <m:r>
+                      <a:rPr lang="it-IT" sz="2000" b="0" i="1" smtClean="0">
+                        <a:latin typeface="Cambria Math" panose="02040503050406030204" pitchFamily="18" charset="0"/>
+                      </a:rPr>
+                      <m:t>(</m:t>
+                    </m:r>
+                    <m:sSub>
+                      <m:sSubPr>
+                        <m:ctrlPr>
+                          <a:rPr lang="it-IT" sz="2000" b="0" i="1" smtClean="0">
+                            <a:latin typeface="Cambria Math" panose="02040503050406030204" pitchFamily="18" charset="0"/>
+                          </a:rPr>
+                        </m:ctrlPr>
+                      </m:sSubPr>
+                      <m:e>
+                        <m:r>
+                          <a:rPr lang="it-IT" sz="2000" b="0" i="1" smtClean="0">
+                            <a:latin typeface="Cambria Math" panose="02040503050406030204" pitchFamily="18" charset="0"/>
+                          </a:rPr>
+                          <m:t>𝑛</m:t>
+                        </m:r>
+                      </m:e>
+                      <m:sub>
+                        <m:r>
+                          <a:rPr lang="it-IT" sz="2000" b="0" i="1" smtClean="0">
+                            <a:latin typeface="Cambria Math" panose="02040503050406030204" pitchFamily="18" charset="0"/>
+                          </a:rPr>
+                          <m:t>𝑠</m:t>
+                        </m:r>
+                      </m:sub>
+                    </m:sSub>
+                    <m:r>
+                      <a:rPr lang="it-IT" sz="2000" b="0" i="1" smtClean="0">
+                        <a:latin typeface="Cambria Math" panose="02040503050406030204" pitchFamily="18" charset="0"/>
+                      </a:rPr>
+                      <m:t>, </m:t>
+                    </m:r>
+                    <m:sSub>
+                      <m:sSubPr>
+                        <m:ctrlPr>
+                          <a:rPr lang="it-IT" sz="2000" b="0" i="1" smtClean="0">
+                            <a:latin typeface="Cambria Math" panose="02040503050406030204" pitchFamily="18" charset="0"/>
+                          </a:rPr>
+                        </m:ctrlPr>
+                      </m:sSubPr>
+                      <m:e>
+                        <m:r>
+                          <a:rPr lang="it-IT" sz="2000" b="0" i="1" smtClean="0">
+                            <a:latin typeface="Cambria Math" panose="02040503050406030204" pitchFamily="18" charset="0"/>
+                          </a:rPr>
+                          <m:t>𝑛</m:t>
+                        </m:r>
+                      </m:e>
+                      <m:sub>
+                        <m:r>
+                          <a:rPr lang="it-IT" sz="2000" b="0" i="1" smtClean="0">
+                            <a:latin typeface="Cambria Math" panose="02040503050406030204" pitchFamily="18" charset="0"/>
+                          </a:rPr>
+                          <m:t>𝑖</m:t>
+                        </m:r>
+                      </m:sub>
+                    </m:sSub>
+                    <m:r>
+                      <a:rPr lang="it-IT" sz="2000" b="0" i="1" smtClean="0">
+                        <a:latin typeface="Cambria Math" panose="02040503050406030204" pitchFamily="18" charset="0"/>
+                      </a:rPr>
+                      <m:t>)</m:t>
+                    </m:r>
+                  </m:oMath>
+                </a14:m>
+                <a:r>
+                  <a:rPr lang="en-GB" sz="2000" dirty="0"/>
+                  <a:t> and </a:t>
+                </a:r>
+                <a14:m>
+                  <m:oMath xmlns:m="http://schemas.openxmlformats.org/officeDocument/2006/math">
+                    <m:r>
+                      <a:rPr lang="it-IT" sz="2000" i="1">
+                        <a:latin typeface="Cambria Math" panose="02040503050406030204" pitchFamily="18" charset="0"/>
+                      </a:rPr>
+                      <m:t>𝑃</m:t>
+                    </m:r>
+                    <m:r>
+                      <a:rPr lang="it-IT" sz="2000" i="1">
+                        <a:latin typeface="Cambria Math" panose="02040503050406030204" pitchFamily="18" charset="0"/>
+                      </a:rPr>
+                      <m:t>(</m:t>
+                    </m:r>
+                    <m:sSub>
+                      <m:sSubPr>
+                        <m:ctrlPr>
+                          <a:rPr lang="it-IT" sz="2000" i="1">
+                            <a:latin typeface="Cambria Math" panose="02040503050406030204" pitchFamily="18" charset="0"/>
+                          </a:rPr>
+                        </m:ctrlPr>
+                      </m:sSubPr>
+                      <m:e>
+                        <m:r>
+                          <a:rPr lang="it-IT" sz="2000" i="1">
+                            <a:latin typeface="Cambria Math" panose="02040503050406030204" pitchFamily="18" charset="0"/>
+                          </a:rPr>
+                          <m:t>𝑛</m:t>
+                        </m:r>
+                      </m:e>
+                      <m:sub>
+                        <m:r>
+                          <a:rPr lang="it-IT" sz="2000" b="0" i="1" smtClean="0">
+                            <a:latin typeface="Cambria Math" panose="02040503050406030204" pitchFamily="18" charset="0"/>
+                          </a:rPr>
+                          <m:t>𝑖</m:t>
+                        </m:r>
+                      </m:sub>
+                    </m:sSub>
+                    <m:r>
+                      <a:rPr lang="it-IT" sz="2000" i="1">
+                        <a:latin typeface="Cambria Math" panose="02040503050406030204" pitchFamily="18" charset="0"/>
+                      </a:rPr>
+                      <m:t>, </m:t>
+                    </m:r>
+                    <m:sSub>
+                      <m:sSubPr>
+                        <m:ctrlPr>
+                          <a:rPr lang="it-IT" sz="2000" i="1">
+                            <a:latin typeface="Cambria Math" panose="02040503050406030204" pitchFamily="18" charset="0"/>
+                          </a:rPr>
+                        </m:ctrlPr>
+                      </m:sSubPr>
+                      <m:e>
+                        <m:r>
+                          <a:rPr lang="it-IT" sz="2000" i="1">
+                            <a:latin typeface="Cambria Math" panose="02040503050406030204" pitchFamily="18" charset="0"/>
+                          </a:rPr>
+                          <m:t>𝑛</m:t>
+                        </m:r>
+                      </m:e>
+                      <m:sub>
+                        <m:r>
+                          <a:rPr lang="it-IT" sz="2000" b="0" i="1" smtClean="0">
+                            <a:latin typeface="Cambria Math" panose="02040503050406030204" pitchFamily="18" charset="0"/>
+                          </a:rPr>
+                          <m:t>𝑑</m:t>
+                        </m:r>
+                      </m:sub>
+                    </m:sSub>
+                    <m:r>
+                      <a:rPr lang="it-IT" sz="2000" i="1">
+                        <a:latin typeface="Cambria Math" panose="02040503050406030204" pitchFamily="18" charset="0"/>
+                      </a:rPr>
+                      <m:t>)</m:t>
+                    </m:r>
+                  </m:oMath>
+                </a14:m>
+                <a:r>
+                  <a:rPr lang="en-GB" sz="2000" dirty="0"/>
+                  <a:t> </a:t>
+                </a:r>
+              </a:p>
+              <a:p>
+                <a:pPr marL="285750" indent="-285750">
+                  <a:buFont typeface="Arial" panose="020B0604020202020204" pitchFamily="34" charset="0"/>
+                  <a:buChar char="•"/>
+                </a:pPr>
+                <a:endParaRPr lang="en-GB" sz="2000" dirty="0"/>
+              </a:p>
+              <a:p>
+                <a:pPr marL="285750" indent="-285750">
+                  <a:buFont typeface="Arial" panose="020B0604020202020204" pitchFamily="34" charset="0"/>
+                  <a:buChar char="•"/>
+                </a:pPr>
+                <a:r>
+                  <a:rPr lang="en-GB" sz="2000" dirty="0"/>
+                  <a:t>If</a:t>
+                </a:r>
+              </a:p>
+              <a:p>
+                <a:pPr lvl="1"/>
+                <a:r>
+                  <a:rPr lang="en-GB" sz="2000" dirty="0"/>
+                  <a:t> </a:t>
+                </a:r>
+                <a14:m>
+                  <m:oMath xmlns:m="http://schemas.openxmlformats.org/officeDocument/2006/math">
+                    <m:r>
+                      <a:rPr lang="it-IT" sz="2000" b="0" i="1" smtClean="0">
+                        <a:latin typeface="Cambria Math" panose="02040503050406030204" pitchFamily="18" charset="0"/>
+                      </a:rPr>
+                      <m:t>𝑙</m:t>
+                    </m:r>
+                    <m:d>
+                      <m:dPr>
+                        <m:ctrlPr>
+                          <a:rPr lang="it-IT" sz="2000" b="0" i="1" smtClean="0">
+                            <a:latin typeface="Cambria Math" panose="02040503050406030204" pitchFamily="18" charset="0"/>
+                          </a:rPr>
+                        </m:ctrlPr>
+                      </m:dPr>
+                      <m:e>
+                        <m:r>
+                          <a:rPr lang="it-IT" sz="2000" b="0" i="1" smtClean="0">
+                            <a:latin typeface="Cambria Math" panose="02040503050406030204" pitchFamily="18" charset="0"/>
+                          </a:rPr>
+                          <m:t>𝑃</m:t>
+                        </m:r>
+                        <m:d>
+                          <m:dPr>
+                            <m:ctrlPr>
+                              <a:rPr lang="it-IT" sz="2000" b="0" i="1" smtClean="0">
+                                <a:latin typeface="Cambria Math" panose="02040503050406030204" pitchFamily="18" charset="0"/>
+                              </a:rPr>
+                            </m:ctrlPr>
+                          </m:dPr>
+                          <m:e>
+                            <m:sSub>
+                              <m:sSubPr>
+                                <m:ctrlPr>
+                                  <a:rPr lang="it-IT" sz="2000" b="0" i="1" smtClean="0">
+                                    <a:latin typeface="Cambria Math" panose="02040503050406030204" pitchFamily="18" charset="0"/>
+                                  </a:rPr>
+                                </m:ctrlPr>
+                              </m:sSubPr>
+                              <m:e>
+                                <m:r>
+                                  <a:rPr lang="it-IT" sz="2000" b="0" i="1" smtClean="0">
+                                    <a:latin typeface="Cambria Math" panose="02040503050406030204" pitchFamily="18" charset="0"/>
+                                  </a:rPr>
+                                  <m:t>𝑛</m:t>
+                                </m:r>
+                              </m:e>
+                              <m:sub>
+                                <m:r>
+                                  <a:rPr lang="it-IT" sz="2000" b="0" i="1" smtClean="0">
+                                    <a:latin typeface="Cambria Math" panose="02040503050406030204" pitchFamily="18" charset="0"/>
+                                  </a:rPr>
+                                  <m:t>𝑠</m:t>
+                                </m:r>
+                              </m:sub>
+                            </m:sSub>
+                            <m:r>
+                              <a:rPr lang="it-IT" sz="2000" b="0" i="1" smtClean="0">
+                                <a:latin typeface="Cambria Math" panose="02040503050406030204" pitchFamily="18" charset="0"/>
+                              </a:rPr>
+                              <m:t>,</m:t>
+                            </m:r>
+                            <m:sSub>
+                              <m:sSubPr>
+                                <m:ctrlPr>
+                                  <a:rPr lang="it-IT" sz="2000" b="0" i="1" smtClean="0">
+                                    <a:latin typeface="Cambria Math" panose="02040503050406030204" pitchFamily="18" charset="0"/>
+                                  </a:rPr>
+                                </m:ctrlPr>
+                              </m:sSubPr>
+                              <m:e>
+                                <m:r>
+                                  <a:rPr lang="it-IT" sz="2000" b="0" i="1" smtClean="0">
+                                    <a:latin typeface="Cambria Math" panose="02040503050406030204" pitchFamily="18" charset="0"/>
+                                  </a:rPr>
+                                  <m:t>𝑛</m:t>
+                                </m:r>
+                              </m:e>
+                              <m:sub>
+                                <m:r>
+                                  <a:rPr lang="it-IT" sz="2000" b="0" i="1" smtClean="0">
+                                    <a:latin typeface="Cambria Math" panose="02040503050406030204" pitchFamily="18" charset="0"/>
+                                  </a:rPr>
+                                  <m:t>𝑖</m:t>
+                                </m:r>
+                              </m:sub>
+                            </m:sSub>
+                          </m:e>
+                        </m:d>
+                      </m:e>
+                    </m:d>
+                    <m:r>
+                      <a:rPr lang="it-IT" sz="2000" b="0" i="1" smtClean="0">
+                        <a:latin typeface="Cambria Math" panose="02040503050406030204" pitchFamily="18" charset="0"/>
+                      </a:rPr>
+                      <m:t>+</m:t>
+                    </m:r>
+                    <m:r>
+                      <a:rPr lang="it-IT" sz="2000" b="0" i="1" smtClean="0">
+                        <a:latin typeface="Cambria Math" panose="02040503050406030204" pitchFamily="18" charset="0"/>
+                      </a:rPr>
+                      <m:t>𝑙</m:t>
+                    </m:r>
+                    <m:d>
+                      <m:dPr>
+                        <m:ctrlPr>
+                          <a:rPr lang="it-IT" sz="2000" b="0" i="1" smtClean="0">
+                            <a:latin typeface="Cambria Math" panose="02040503050406030204" pitchFamily="18" charset="0"/>
+                          </a:rPr>
+                        </m:ctrlPr>
+                      </m:dPr>
+                      <m:e>
+                        <m:r>
+                          <a:rPr lang="it-IT" sz="2000" b="0" i="1" smtClean="0">
+                            <a:latin typeface="Cambria Math" panose="02040503050406030204" pitchFamily="18" charset="0"/>
+                          </a:rPr>
+                          <m:t>𝑃</m:t>
+                        </m:r>
+                        <m:d>
+                          <m:dPr>
+                            <m:ctrlPr>
+                              <a:rPr lang="it-IT" sz="2000" b="0" i="1" smtClean="0">
+                                <a:latin typeface="Cambria Math" panose="02040503050406030204" pitchFamily="18" charset="0"/>
+                              </a:rPr>
+                            </m:ctrlPr>
+                          </m:dPr>
+                          <m:e>
+                            <m:sSub>
+                              <m:sSubPr>
+                                <m:ctrlPr>
+                                  <a:rPr lang="it-IT" sz="2000" b="0" i="1" smtClean="0">
+                                    <a:latin typeface="Cambria Math" panose="02040503050406030204" pitchFamily="18" charset="0"/>
+                                  </a:rPr>
+                                </m:ctrlPr>
+                              </m:sSubPr>
+                              <m:e>
+                                <m:r>
+                                  <a:rPr lang="it-IT" sz="2000" b="0" i="1" smtClean="0">
+                                    <a:latin typeface="Cambria Math" panose="02040503050406030204" pitchFamily="18" charset="0"/>
+                                  </a:rPr>
+                                  <m:t>𝑛</m:t>
+                                </m:r>
+                              </m:e>
+                              <m:sub>
+                                <m:r>
+                                  <a:rPr lang="it-IT" sz="2000" b="0" i="1" smtClean="0">
+                                    <a:latin typeface="Cambria Math" panose="02040503050406030204" pitchFamily="18" charset="0"/>
+                                  </a:rPr>
+                                  <m:t>𝑖</m:t>
+                                </m:r>
+                              </m:sub>
+                            </m:sSub>
+                            <m:r>
+                              <a:rPr lang="it-IT" sz="2000" b="0" i="1" smtClean="0">
+                                <a:latin typeface="Cambria Math" panose="02040503050406030204" pitchFamily="18" charset="0"/>
+                              </a:rPr>
+                              <m:t>,</m:t>
+                            </m:r>
+                            <m:sSub>
+                              <m:sSubPr>
+                                <m:ctrlPr>
+                                  <a:rPr lang="it-IT" sz="2000" b="0" i="1" smtClean="0">
+                                    <a:latin typeface="Cambria Math" panose="02040503050406030204" pitchFamily="18" charset="0"/>
+                                  </a:rPr>
+                                </m:ctrlPr>
+                              </m:sSubPr>
+                              <m:e>
+                                <m:r>
+                                  <a:rPr lang="it-IT" sz="2000" b="0" i="1" smtClean="0">
+                                    <a:latin typeface="Cambria Math" panose="02040503050406030204" pitchFamily="18" charset="0"/>
+                                  </a:rPr>
+                                  <m:t>𝑛</m:t>
+                                </m:r>
+                              </m:e>
+                              <m:sub>
+                                <m:r>
+                                  <a:rPr lang="it-IT" sz="2000" b="0" i="1" smtClean="0">
+                                    <a:latin typeface="Cambria Math" panose="02040503050406030204" pitchFamily="18" charset="0"/>
+                                  </a:rPr>
+                                  <m:t>𝑑</m:t>
+                                </m:r>
+                              </m:sub>
+                            </m:sSub>
+                          </m:e>
+                        </m:d>
+                      </m:e>
+                    </m:d>
+                    <m:r>
+                      <a:rPr lang="it-IT" sz="2000" b="0" i="1" smtClean="0">
+                        <a:latin typeface="Cambria Math" panose="02040503050406030204" pitchFamily="18" charset="0"/>
+                      </a:rPr>
+                      <m:t>&gt;</m:t>
+                    </m:r>
+                    <m:r>
+                      <a:rPr lang="it-IT" sz="2000" b="0" i="1" smtClean="0">
+                        <a:latin typeface="Cambria Math" panose="02040503050406030204" pitchFamily="18" charset="0"/>
+                      </a:rPr>
+                      <m:t>𝑙</m:t>
+                    </m:r>
+                    <m:r>
+                      <a:rPr lang="it-IT" sz="2000" b="0" i="1" smtClean="0">
+                        <a:latin typeface="Cambria Math" panose="02040503050406030204" pitchFamily="18" charset="0"/>
+                      </a:rPr>
+                      <m:t>(</m:t>
+                    </m:r>
+                    <m:r>
+                      <a:rPr lang="it-IT" sz="2000" b="0" i="1" smtClean="0">
+                        <a:latin typeface="Cambria Math" panose="02040503050406030204" pitchFamily="18" charset="0"/>
+                      </a:rPr>
+                      <m:t>𝑆𝑜𝑙</m:t>
+                    </m:r>
+                    <m:r>
+                      <a:rPr lang="it-IT" sz="2000" b="0" i="1" smtClean="0">
+                        <a:latin typeface="Cambria Math" panose="02040503050406030204" pitchFamily="18" charset="0"/>
+                      </a:rPr>
+                      <m:t>)</m:t>
+                    </m:r>
+                  </m:oMath>
+                </a14:m>
+                <a:r>
+                  <a:rPr lang="en-GB" sz="2000" dirty="0"/>
+                  <a:t> </a:t>
+                </a:r>
+              </a:p>
+              <a:p>
+                <a:pPr lvl="1"/>
+                <a:endParaRPr lang="en-GB" sz="2000" dirty="0"/>
+              </a:p>
+              <a:p>
+                <a:pPr lvl="1"/>
+                <a14:m>
+                  <m:oMath xmlns:m="http://schemas.openxmlformats.org/officeDocument/2006/math">
+                    <m:sSub>
+                      <m:sSubPr>
+                        <m:ctrlPr>
+                          <a:rPr lang="it-IT" sz="2000" i="1">
+                            <a:latin typeface="Cambria Math" panose="02040503050406030204" pitchFamily="18" charset="0"/>
+                          </a:rPr>
+                        </m:ctrlPr>
+                      </m:sSubPr>
+                      <m:e>
+                        <m:r>
+                          <a:rPr lang="it-IT" sz="2000" i="1">
+                            <a:latin typeface="Cambria Math" panose="02040503050406030204" pitchFamily="18" charset="0"/>
+                          </a:rPr>
+                          <m:t>𝑛</m:t>
+                        </m:r>
+                      </m:e>
+                      <m:sub>
+                        <m:r>
+                          <a:rPr lang="it-IT" sz="2000" i="1">
+                            <a:latin typeface="Cambria Math" panose="02040503050406030204" pitchFamily="18" charset="0"/>
+                          </a:rPr>
+                          <m:t>𝑖</m:t>
+                        </m:r>
+                      </m:sub>
+                    </m:sSub>
+                  </m:oMath>
+                </a14:m>
+                <a:r>
+                  <a:rPr lang="en-GB" sz="2000" dirty="0"/>
+                  <a:t> and all incident edges are removed from </a:t>
+                </a:r>
+                <a14:m>
+                  <m:oMath xmlns:m="http://schemas.openxmlformats.org/officeDocument/2006/math">
+                    <m:r>
+                      <a:rPr lang="it-IT" sz="2000" b="0" i="1" smtClean="0">
+                        <a:latin typeface="Cambria Math" panose="02040503050406030204" pitchFamily="18" charset="0"/>
+                      </a:rPr>
+                      <m:t>𝐺</m:t>
+                    </m:r>
+                  </m:oMath>
+                </a14:m>
+                <a:r>
+                  <a:rPr lang="en-GB" sz="2000" dirty="0"/>
+                  <a:t> </a:t>
+                </a:r>
+              </a:p>
+            </p:txBody>
+          </p:sp>
+        </mc:Choice>
+        <mc:Fallback xmlns="">
+          <p:sp>
+            <p:nvSpPr>
+              <p:cNvPr id="12" name="TextBox 11">
+                <a:extLst>
+                  <a:ext uri="{FF2B5EF4-FFF2-40B4-BE49-F238E27FC236}">
+                    <a16:creationId xmlns:a16="http://schemas.microsoft.com/office/drawing/2014/main" id="{BFB9099C-D003-AFF9-D137-49C2634C1E43}"/>
+                  </a:ext>
+                </a:extLst>
+              </p:cNvPr>
+              <p:cNvSpPr txBox="1">
+                <a:spLocks noRot="1" noChangeAspect="1" noMove="1" noResize="1" noEditPoints="1" noAdjustHandles="1" noChangeArrowheads="1" noChangeShapeType="1" noTextEdit="1"/>
+              </p:cNvSpPr>
+              <p:nvPr/>
+            </p:nvSpPr>
+            <p:spPr>
+              <a:xfrm>
+                <a:off x="878629" y="1670249"/>
+                <a:ext cx="6309039" cy="3517501"/>
+              </a:xfrm>
+              <a:prstGeom prst="rect">
+                <a:avLst/>
+              </a:prstGeom>
+              <a:blipFill>
+                <a:blip r:embed="rId3"/>
+                <a:stretch>
+                  <a:fillRect l="-805" t="-1079" b="-2158"/>
+                </a:stretch>
+              </a:blipFill>
+            </p:spPr>
+            <p:txBody>
+              <a:bodyPr/>
+              <a:lstStyle/>
+              <a:p>
+                <a:r>
+                  <a:rPr lang="en-GB">
+                    <a:noFill/>
+                  </a:rPr>
+                  <a:t> </a:t>
+                </a:r>
+              </a:p>
+            </p:txBody>
+          </p:sp>
+        </mc:Fallback>
+      </mc:AlternateContent>
     </p:spTree>
     <p:extLst>
       <p:ext uri="{BB962C8B-B14F-4D97-AF65-F5344CB8AC3E}">
@@ -5539,35 +6288,6 @@
           </a:p>
         </p:txBody>
       </p:sp>
-      <p:pic>
-        <p:nvPicPr>
-          <p:cNvPr id="6" name="Content Placeholder 5" descr="A graph showing the growth of a graph&#10;&#10;AI-generated content may be incorrect.">
-            <a:extLst>
-              <a:ext uri="{FF2B5EF4-FFF2-40B4-BE49-F238E27FC236}">
-                <a16:creationId xmlns:a16="http://schemas.microsoft.com/office/drawing/2014/main" id="{54EEB888-6F09-6171-B6CB-7AB3660D5352}"/>
-              </a:ext>
-            </a:extLst>
-          </p:cNvPr>
-          <p:cNvPicPr>
-            <a:picLocks noGrp="1" noChangeAspect="1"/>
-          </p:cNvPicPr>
-          <p:nvPr>
-            <p:ph idx="1"/>
-          </p:nvPr>
-        </p:nvPicPr>
-        <p:blipFill>
-          <a:blip r:embed="rId2"/>
-          <a:stretch>
-            <a:fillRect/>
-          </a:stretch>
-        </p:blipFill>
-        <p:spPr>
-          <a:xfrm>
-            <a:off x="431228" y="1680898"/>
-            <a:ext cx="11016417" cy="3908244"/>
-          </a:xfrm>
-        </p:spPr>
-      </p:pic>
       <p:sp>
         <p:nvSpPr>
           <p:cNvPr id="4" name="Slide Number Placeholder 3">
@@ -5612,7 +6332,7 @@
           <p:nvPr/>
         </p:nvPicPr>
         <p:blipFill>
-          <a:blip r:embed="rId3"/>
+          <a:blip r:embed="rId2"/>
           <a:stretch>
             <a:fillRect/>
           </a:stretch>
@@ -5741,6 +6461,35 @@
           </a:p>
         </p:txBody>
       </p:sp>
+      <p:pic>
+        <p:nvPicPr>
+          <p:cNvPr id="10" name="Content Placeholder 9" descr="A graph showing the same graph&#10;&#10;AI-generated content may be incorrect.">
+            <a:extLst>
+              <a:ext uri="{FF2B5EF4-FFF2-40B4-BE49-F238E27FC236}">
+                <a16:creationId xmlns:a16="http://schemas.microsoft.com/office/drawing/2014/main" id="{88C55AF5-A351-9770-0F4B-7659061FF73F}"/>
+              </a:ext>
+            </a:extLst>
+          </p:cNvPr>
+          <p:cNvPicPr>
+            <a:picLocks noGrp="1" noChangeAspect="1"/>
+          </p:cNvPicPr>
+          <p:nvPr>
+            <p:ph idx="1"/>
+          </p:nvPr>
+        </p:nvPicPr>
+        <p:blipFill>
+          <a:blip r:embed="rId3"/>
+          <a:stretch>
+            <a:fillRect/>
+          </a:stretch>
+        </p:blipFill>
+        <p:spPr>
+          <a:xfrm>
+            <a:off x="1655125" y="1722610"/>
+            <a:ext cx="8714773" cy="3638642"/>
+          </a:xfrm>
+        </p:spPr>
+      </p:pic>
     </p:spTree>
     <p:extLst>
       <p:ext uri="{BB962C8B-B14F-4D97-AF65-F5344CB8AC3E}">
@@ -5755,6 +6504,1929 @@
 </file>
 
 <file path=ppt/slides/slide16.xml><?xml version="1.0" encoding="utf-8"?>
+<p:sld xmlns:a="http://schemas.openxmlformats.org/drawingml/2006/main" xmlns:r="http://schemas.openxmlformats.org/officeDocument/2006/relationships" xmlns:p="http://schemas.openxmlformats.org/presentationml/2006/main">
+  <p:cSld>
+    <p:spTree>
+      <p:nvGrpSpPr>
+        <p:cNvPr id="1" name="">
+          <a:extLst>
+            <a:ext uri="{FF2B5EF4-FFF2-40B4-BE49-F238E27FC236}">
+              <a16:creationId xmlns:a16="http://schemas.microsoft.com/office/drawing/2014/main" id="{1E6B71C7-8576-23D7-4972-BB1A11411915}"/>
+            </a:ext>
+          </a:extLst>
+        </p:cNvPr>
+        <p:cNvGrpSpPr/>
+        <p:nvPr/>
+      </p:nvGrpSpPr>
+      <p:grpSpPr>
+        <a:xfrm>
+          <a:off x="0" y="0"/>
+          <a:ext cx="0" cy="0"/>
+          <a:chOff x="0" y="0"/>
+          <a:chExt cx="0" cy="0"/>
+        </a:xfrm>
+      </p:grpSpPr>
+      <p:sp>
+        <p:nvSpPr>
+          <p:cNvPr id="2" name="Title 1">
+            <a:extLst>
+              <a:ext uri="{FF2B5EF4-FFF2-40B4-BE49-F238E27FC236}">
+                <a16:creationId xmlns:a16="http://schemas.microsoft.com/office/drawing/2014/main" id="{7ABD2A60-2031-A748-63BC-5DCE25531643}"/>
+              </a:ext>
+            </a:extLst>
+          </p:cNvPr>
+          <p:cNvSpPr>
+            <a:spLocks noGrp="1"/>
+          </p:cNvSpPr>
+          <p:nvPr>
+            <p:ph type="title"/>
+          </p:nvPr>
+        </p:nvSpPr>
+        <p:spPr>
+          <a:xfrm>
+            <a:off x="612648" y="548640"/>
+            <a:ext cx="6387920" cy="1132258"/>
+          </a:xfrm>
+        </p:spPr>
+        <p:txBody>
+          <a:bodyPr/>
+          <a:lstStyle/>
+          <a:p>
+            <a:r>
+              <a:rPr lang="it-IT" dirty="0" err="1"/>
+              <a:t>Even</a:t>
+            </a:r>
+            <a:r>
+              <a:rPr lang="it-IT" dirty="0"/>
+              <a:t> more </a:t>
+            </a:r>
+            <a:r>
+              <a:rPr lang="it-IT" dirty="0" err="1"/>
+              <a:t>reduced</a:t>
+            </a:r>
+            <a:r>
+              <a:rPr lang="it-IT" dirty="0"/>
+              <a:t> </a:t>
+            </a:r>
+            <a:r>
+              <a:rPr lang="it-IT" dirty="0" err="1"/>
+              <a:t>graph</a:t>
+            </a:r>
+            <a:r>
+              <a:rPr lang="it-IT" dirty="0"/>
+              <a:t>…</a:t>
+            </a:r>
+            <a:endParaRPr lang="en-GB" dirty="0"/>
+          </a:p>
+        </p:txBody>
+      </p:sp>
+      <p:sp>
+        <p:nvSpPr>
+          <p:cNvPr id="4" name="Slide Number Placeholder 3">
+            <a:extLst>
+              <a:ext uri="{FF2B5EF4-FFF2-40B4-BE49-F238E27FC236}">
+                <a16:creationId xmlns:a16="http://schemas.microsoft.com/office/drawing/2014/main" id="{859E8A78-90F4-EF59-0024-8E4262E7551B}"/>
+              </a:ext>
+            </a:extLst>
+          </p:cNvPr>
+          <p:cNvSpPr>
+            <a:spLocks noGrp="1"/>
+          </p:cNvSpPr>
+          <p:nvPr>
+            <p:ph type="sldNum" sz="quarter" idx="12"/>
+          </p:nvPr>
+        </p:nvSpPr>
+        <p:spPr/>
+        <p:txBody>
+          <a:bodyPr/>
+          <a:lstStyle/>
+          <a:p>
+            <a:fld id="{CC057153-B650-4DEB-B370-79DDCFDCE934}" type="slidenum">
+              <a:rPr lang="en-US" smtClean="0"/>
+              <a:t>15</a:t>
+            </a:fld>
+            <a:endParaRPr lang="en-US"/>
+          </a:p>
+        </p:txBody>
+      </p:sp>
+      <p:pic>
+        <p:nvPicPr>
+          <p:cNvPr id="8" name="Picture 7" descr="A white background with black and white clouds&#10;&#10;AI-generated content may be incorrect.">
+            <a:extLst>
+              <a:ext uri="{FF2B5EF4-FFF2-40B4-BE49-F238E27FC236}">
+                <a16:creationId xmlns:a16="http://schemas.microsoft.com/office/drawing/2014/main" id="{8007030E-3B79-02D0-DEA4-95E4F6D49454}"/>
+              </a:ext>
+            </a:extLst>
+          </p:cNvPr>
+          <p:cNvPicPr>
+            <a:picLocks noChangeAspect="1"/>
+          </p:cNvPicPr>
+          <p:nvPr/>
+        </p:nvPicPr>
+        <p:blipFill>
+          <a:blip r:embed="rId2"/>
+          <a:stretch>
+            <a:fillRect/>
+          </a:stretch>
+        </p:blipFill>
+        <p:spPr>
+          <a:xfrm>
+            <a:off x="331605" y="4992952"/>
+            <a:ext cx="825500" cy="368300"/>
+          </a:xfrm>
+          <a:prstGeom prst="rect">
+            <a:avLst/>
+          </a:prstGeom>
+        </p:spPr>
+      </p:pic>
+      <p:sp>
+        <p:nvSpPr>
+          <p:cNvPr id="9" name="Rectangle 8">
+            <a:extLst>
+              <a:ext uri="{FF2B5EF4-FFF2-40B4-BE49-F238E27FC236}">
+                <a16:creationId xmlns:a16="http://schemas.microsoft.com/office/drawing/2014/main" id="{2DB679FD-0A33-6E30-2496-26E134F985CD}"/>
+              </a:ext>
+            </a:extLst>
+          </p:cNvPr>
+          <p:cNvSpPr/>
+          <p:nvPr/>
+        </p:nvSpPr>
+        <p:spPr>
+          <a:xfrm>
+            <a:off x="0" y="6309360"/>
+            <a:ext cx="12192000" cy="548640"/>
+          </a:xfrm>
+          <a:prstGeom prst="rect">
+            <a:avLst/>
+          </a:prstGeom>
+          <a:solidFill>
+            <a:srgbClr val="002060"/>
+          </a:solidFill>
+          <a:ln>
+            <a:solidFill>
+              <a:srgbClr val="0070C0"/>
+            </a:solidFill>
+          </a:ln>
+        </p:spPr>
+        <p:style>
+          <a:lnRef idx="2">
+            <a:schemeClr val="accent1">
+              <a:shade val="15000"/>
+            </a:schemeClr>
+          </a:lnRef>
+          <a:fillRef idx="1">
+            <a:schemeClr val="accent1"/>
+          </a:fillRef>
+          <a:effectRef idx="0">
+            <a:schemeClr val="accent1"/>
+          </a:effectRef>
+          <a:fontRef idx="minor">
+            <a:schemeClr val="lt1"/>
+          </a:fontRef>
+        </p:style>
+        <p:txBody>
+          <a:bodyPr rtlCol="0" anchor="ctr"/>
+          <a:lstStyle/>
+          <a:p>
+            <a:pPr algn="ctr"/>
+            <a:r>
+              <a:rPr lang="en-GB" dirty="0"/>
+              <a:t>		</a:t>
+            </a:r>
+            <a:r>
+              <a:rPr lang="en-GB" dirty="0">
+                <a:solidFill>
+                  <a:schemeClr val="tx1">
+                    <a:lumMod val="50000"/>
+                    <a:lumOff val="50000"/>
+                  </a:schemeClr>
+                </a:solidFill>
+              </a:rPr>
+              <a:t>Overview</a:t>
+            </a:r>
+            <a:r>
+              <a:rPr lang="en-GB" dirty="0"/>
+              <a:t>			</a:t>
+            </a:r>
+            <a:r>
+              <a:rPr lang="en-GB" dirty="0">
+                <a:solidFill>
+                  <a:schemeClr val="tx1">
+                    <a:lumMod val="50000"/>
+                    <a:lumOff val="50000"/>
+                  </a:schemeClr>
+                </a:solidFill>
+              </a:rPr>
+              <a:t>Formulation</a:t>
+            </a:r>
+            <a:r>
+              <a:rPr lang="en-GB" dirty="0"/>
+              <a:t>			</a:t>
+            </a:r>
+            <a:r>
+              <a:rPr lang="en-GB" dirty="0">
+                <a:solidFill>
+                  <a:schemeClr val="bg1"/>
+                </a:solidFill>
+              </a:rPr>
+              <a:t>Proposed Algorithms</a:t>
+            </a:r>
+            <a:r>
+              <a:rPr lang="en-GB" dirty="0"/>
+              <a:t>			</a:t>
+            </a:r>
+            <a:r>
+              <a:rPr lang="en-GB" dirty="0">
+                <a:solidFill>
+                  <a:schemeClr val="tx1">
+                    <a:lumMod val="50000"/>
+                    <a:lumOff val="50000"/>
+                  </a:schemeClr>
+                </a:solidFill>
+              </a:rPr>
+              <a:t>Results</a:t>
+            </a:r>
+            <a:r>
+              <a:rPr lang="en-GB" dirty="0"/>
+              <a:t>				</a:t>
+            </a:r>
+          </a:p>
+        </p:txBody>
+      </p:sp>
+      <p:pic>
+        <p:nvPicPr>
+          <p:cNvPr id="14" name="Content Placeholder 13" descr="A diagram of a algorithm&#10;&#10;AI-generated content may be incorrect.">
+            <a:extLst>
+              <a:ext uri="{FF2B5EF4-FFF2-40B4-BE49-F238E27FC236}">
+                <a16:creationId xmlns:a16="http://schemas.microsoft.com/office/drawing/2014/main" id="{7FB7C421-E74D-0AB4-7136-FDD09E96C584}"/>
+              </a:ext>
+            </a:extLst>
+          </p:cNvPr>
+          <p:cNvPicPr>
+            <a:picLocks noGrp="1" noChangeAspect="1"/>
+          </p:cNvPicPr>
+          <p:nvPr>
+            <p:ph idx="1"/>
+          </p:nvPr>
+        </p:nvPicPr>
+        <p:blipFill>
+          <a:blip r:embed="rId3"/>
+          <a:stretch>
+            <a:fillRect/>
+          </a:stretch>
+        </p:blipFill>
+        <p:spPr>
+          <a:xfrm>
+            <a:off x="7144776" y="223010"/>
+            <a:ext cx="3159430" cy="6086350"/>
+          </a:xfrm>
+        </p:spPr>
+      </p:pic>
+      <p:sp>
+        <p:nvSpPr>
+          <p:cNvPr id="17" name="Content Placeholder 2">
+            <a:extLst>
+              <a:ext uri="{FF2B5EF4-FFF2-40B4-BE49-F238E27FC236}">
+                <a16:creationId xmlns:a16="http://schemas.microsoft.com/office/drawing/2014/main" id="{E1C39F4D-D816-02EC-9C26-4A1CC09D78CC}"/>
+              </a:ext>
+            </a:extLst>
+          </p:cNvPr>
+          <p:cNvSpPr txBox="1">
+            <a:spLocks/>
+          </p:cNvSpPr>
+          <p:nvPr/>
+        </p:nvSpPr>
+        <p:spPr>
+          <a:xfrm>
+            <a:off x="612648" y="1854798"/>
+            <a:ext cx="6387921" cy="2237036"/>
+          </a:xfrm>
+          <a:prstGeom prst="rect">
+            <a:avLst/>
+          </a:prstGeom>
+        </p:spPr>
+        <p:txBody>
+          <a:bodyPr vert="horz" lIns="91440" tIns="45720" rIns="91440" bIns="45720" rtlCol="0">
+            <a:normAutofit/>
+          </a:bodyPr>
+          <a:lstStyle>
+            <a:lvl1pPr marL="228600" indent="-228600" algn="l" defTabSz="914400" rtl="0" eaLnBrk="1" latinLnBrk="0" hangingPunct="1">
+              <a:lnSpc>
+                <a:spcPct val="120000"/>
+              </a:lnSpc>
+              <a:spcBef>
+                <a:spcPts val="1000"/>
+              </a:spcBef>
+              <a:buFont typeface="Arial" panose="020B0604020202020204" pitchFamily="34" charset="0"/>
+              <a:buChar char="•"/>
+              <a:defRPr sz="2000" kern="1200">
+                <a:solidFill>
+                  <a:schemeClr val="tx1"/>
+                </a:solidFill>
+                <a:latin typeface="+mn-lt"/>
+                <a:ea typeface="+mn-ea"/>
+                <a:cs typeface="+mn-cs"/>
+              </a:defRPr>
+            </a:lvl1pPr>
+            <a:lvl2pPr marL="457200" indent="-228600" algn="l" defTabSz="914400" rtl="0" eaLnBrk="1" latinLnBrk="0" hangingPunct="1">
+              <a:lnSpc>
+                <a:spcPct val="120000"/>
+              </a:lnSpc>
+              <a:spcBef>
+                <a:spcPts val="500"/>
+              </a:spcBef>
+              <a:buFont typeface="Arial" panose="020B0604020202020204" pitchFamily="34" charset="0"/>
+              <a:buChar char="•"/>
+              <a:defRPr sz="1800" kern="1200">
+                <a:solidFill>
+                  <a:schemeClr val="tx1"/>
+                </a:solidFill>
+                <a:latin typeface="+mn-lt"/>
+                <a:ea typeface="+mn-ea"/>
+                <a:cs typeface="+mn-cs"/>
+              </a:defRPr>
+            </a:lvl2pPr>
+            <a:lvl3pPr marL="685800" indent="-228600" algn="l" defTabSz="914400" rtl="0" eaLnBrk="1" latinLnBrk="0" hangingPunct="1">
+              <a:lnSpc>
+                <a:spcPct val="120000"/>
+              </a:lnSpc>
+              <a:spcBef>
+                <a:spcPts val="500"/>
+              </a:spcBef>
+              <a:buFont typeface="Arial" panose="020B0604020202020204" pitchFamily="34" charset="0"/>
+              <a:buChar char="•"/>
+              <a:defRPr sz="1600" kern="1200">
+                <a:solidFill>
+                  <a:schemeClr val="tx1"/>
+                </a:solidFill>
+                <a:latin typeface="+mn-lt"/>
+                <a:ea typeface="+mn-ea"/>
+                <a:cs typeface="+mn-cs"/>
+              </a:defRPr>
+            </a:lvl3pPr>
+            <a:lvl4pPr marL="914400" indent="-228600" algn="l" defTabSz="914400" rtl="0" eaLnBrk="1" latinLnBrk="0" hangingPunct="1">
+              <a:lnSpc>
+                <a:spcPct val="120000"/>
+              </a:lnSpc>
+              <a:spcBef>
+                <a:spcPts val="500"/>
+              </a:spcBef>
+              <a:buFont typeface="Arial" panose="020B0604020202020204" pitchFamily="34" charset="0"/>
+              <a:buChar char="•"/>
+              <a:defRPr sz="1400" kern="1200">
+                <a:solidFill>
+                  <a:schemeClr val="tx1"/>
+                </a:solidFill>
+                <a:latin typeface="+mn-lt"/>
+                <a:ea typeface="+mn-ea"/>
+                <a:cs typeface="+mn-cs"/>
+              </a:defRPr>
+            </a:lvl4pPr>
+            <a:lvl5pPr marL="1143000" indent="-228600" algn="l" defTabSz="914400" rtl="0" eaLnBrk="1" latinLnBrk="0" hangingPunct="1">
+              <a:lnSpc>
+                <a:spcPct val="120000"/>
+              </a:lnSpc>
+              <a:spcBef>
+                <a:spcPts val="500"/>
+              </a:spcBef>
+              <a:buFont typeface="Arial" panose="020B0604020202020204" pitchFamily="34" charset="0"/>
+              <a:buChar char="•"/>
+              <a:defRPr sz="1200" kern="1200">
+                <a:solidFill>
+                  <a:schemeClr val="tx1"/>
+                </a:solidFill>
+                <a:latin typeface="+mn-lt"/>
+                <a:ea typeface="+mn-ea"/>
+                <a:cs typeface="+mn-cs"/>
+              </a:defRPr>
+            </a:lvl5pPr>
+            <a:lvl6pPr marL="2514600" indent="-228600" algn="l" defTabSz="914400" rtl="0" eaLnBrk="1" latinLnBrk="0" hangingPunct="1">
+              <a:lnSpc>
+                <a:spcPct val="90000"/>
+              </a:lnSpc>
+              <a:spcBef>
+                <a:spcPts val="500"/>
+              </a:spcBef>
+              <a:buFont typeface="Arial" panose="020B0604020202020204" pitchFamily="34" charset="0"/>
+              <a:buChar char="•"/>
+              <a:defRPr sz="1800" kern="1200">
+                <a:solidFill>
+                  <a:schemeClr val="tx1"/>
+                </a:solidFill>
+                <a:latin typeface="+mn-lt"/>
+                <a:ea typeface="+mn-ea"/>
+                <a:cs typeface="+mn-cs"/>
+              </a:defRPr>
+            </a:lvl6pPr>
+            <a:lvl7pPr marL="2971800" indent="-228600" algn="l" defTabSz="914400" rtl="0" eaLnBrk="1" latinLnBrk="0" hangingPunct="1">
+              <a:lnSpc>
+                <a:spcPct val="90000"/>
+              </a:lnSpc>
+              <a:spcBef>
+                <a:spcPts val="500"/>
+              </a:spcBef>
+              <a:buFont typeface="Arial" panose="020B0604020202020204" pitchFamily="34" charset="0"/>
+              <a:buChar char="•"/>
+              <a:defRPr sz="1800" kern="1200">
+                <a:solidFill>
+                  <a:schemeClr val="tx1"/>
+                </a:solidFill>
+                <a:latin typeface="+mn-lt"/>
+                <a:ea typeface="+mn-ea"/>
+                <a:cs typeface="+mn-cs"/>
+              </a:defRPr>
+            </a:lvl7pPr>
+            <a:lvl8pPr marL="3429000" indent="-228600" algn="l" defTabSz="914400" rtl="0" eaLnBrk="1" latinLnBrk="0" hangingPunct="1">
+              <a:lnSpc>
+                <a:spcPct val="90000"/>
+              </a:lnSpc>
+              <a:spcBef>
+                <a:spcPts val="500"/>
+              </a:spcBef>
+              <a:buFont typeface="Arial" panose="020B0604020202020204" pitchFamily="34" charset="0"/>
+              <a:buChar char="•"/>
+              <a:defRPr sz="1800" kern="1200">
+                <a:solidFill>
+                  <a:schemeClr val="tx1"/>
+                </a:solidFill>
+                <a:latin typeface="+mn-lt"/>
+                <a:ea typeface="+mn-ea"/>
+                <a:cs typeface="+mn-cs"/>
+              </a:defRPr>
+            </a:lvl8pPr>
+            <a:lvl9pPr marL="3886200" indent="-228600" algn="l" defTabSz="914400" rtl="0" eaLnBrk="1" latinLnBrk="0" hangingPunct="1">
+              <a:lnSpc>
+                <a:spcPct val="90000"/>
+              </a:lnSpc>
+              <a:spcBef>
+                <a:spcPts val="500"/>
+              </a:spcBef>
+              <a:buFont typeface="Arial" panose="020B0604020202020204" pitchFamily="34" charset="0"/>
+              <a:buChar char="•"/>
+              <a:defRPr sz="1800" kern="1200">
+                <a:solidFill>
+                  <a:schemeClr val="tx1"/>
+                </a:solidFill>
+                <a:latin typeface="+mn-lt"/>
+                <a:ea typeface="+mn-ea"/>
+                <a:cs typeface="+mn-cs"/>
+              </a:defRPr>
+            </a:lvl9pPr>
+          </a:lstStyle>
+          <a:p>
+            <a:r>
+              <a:rPr lang="en-GB" dirty="0"/>
+              <a:t>We present an additional reduction focusing on </a:t>
+            </a:r>
+            <a:r>
+              <a:rPr lang="en-GB" i="1" dirty="0"/>
+              <a:t>“</a:t>
+            </a:r>
+            <a:r>
+              <a:rPr lang="en-GB" b="1" i="1" dirty="0"/>
+              <a:t>hidden edges</a:t>
+            </a:r>
+            <a:r>
+              <a:rPr lang="en-GB" i="1" dirty="0"/>
+              <a:t>”</a:t>
+            </a:r>
+            <a:r>
+              <a:rPr lang="en-GB" b="1" i="1" dirty="0"/>
+              <a:t> - </a:t>
+            </a:r>
+            <a:r>
+              <a:rPr lang="en-GB" dirty="0"/>
+              <a:t>edges that have not been removed from GRA, but whose traversal would inevitably lead to a higher fitness function value</a:t>
+            </a:r>
+          </a:p>
+        </p:txBody>
+      </p:sp>
+    </p:spTree>
+    <p:extLst>
+      <p:ext uri="{BB962C8B-B14F-4D97-AF65-F5344CB8AC3E}">
+        <p14:creationId xmlns:p14="http://schemas.microsoft.com/office/powerpoint/2010/main" val="3463979602"/>
+      </p:ext>
+    </p:extLst>
+  </p:cSld>
+  <p:clrMapOvr>
+    <a:masterClrMapping/>
+  </p:clrMapOvr>
+</p:sld>
+</file>
+
+<file path=ppt/slides/slide17.xml><?xml version="1.0" encoding="utf-8"?>
+<p:sld xmlns:a="http://schemas.openxmlformats.org/drawingml/2006/main" xmlns:r="http://schemas.openxmlformats.org/officeDocument/2006/relationships" xmlns:p="http://schemas.openxmlformats.org/presentationml/2006/main">
+  <p:cSld>
+    <p:spTree>
+      <p:nvGrpSpPr>
+        <p:cNvPr id="1" name=""/>
+        <p:cNvGrpSpPr/>
+        <p:nvPr/>
+      </p:nvGrpSpPr>
+      <p:grpSpPr>
+        <a:xfrm>
+          <a:off x="0" y="0"/>
+          <a:ext cx="0" cy="0"/>
+          <a:chOff x="0" y="0"/>
+          <a:chExt cx="0" cy="0"/>
+        </a:xfrm>
+      </p:grpSpPr>
+      <p:sp>
+        <p:nvSpPr>
+          <p:cNvPr id="2" name="Title 1">
+            <a:extLst>
+              <a:ext uri="{FF2B5EF4-FFF2-40B4-BE49-F238E27FC236}">
+                <a16:creationId xmlns:a16="http://schemas.microsoft.com/office/drawing/2014/main" id="{C412CABE-005E-EE53-09FB-23D8C078A462}"/>
+              </a:ext>
+            </a:extLst>
+          </p:cNvPr>
+          <p:cNvSpPr>
+            <a:spLocks noGrp="1"/>
+          </p:cNvSpPr>
+          <p:nvPr>
+            <p:ph type="title"/>
+          </p:nvPr>
+        </p:nvSpPr>
+        <p:spPr/>
+        <p:txBody>
+          <a:bodyPr/>
+          <a:lstStyle/>
+          <a:p>
+            <a:r>
+              <a:rPr lang="en-GB" dirty="0"/>
+              <a:t>Even more reduced graph…</a:t>
+            </a:r>
+          </a:p>
+        </p:txBody>
+      </p:sp>
+      <mc:AlternateContent xmlns:mc="http://schemas.openxmlformats.org/markup-compatibility/2006" xmlns:a14="http://schemas.microsoft.com/office/drawing/2010/main">
+        <mc:Choice Requires="a14">
+          <p:sp>
+            <p:nvSpPr>
+              <p:cNvPr id="3" name="Content Placeholder 2">
+                <a:extLst>
+                  <a:ext uri="{FF2B5EF4-FFF2-40B4-BE49-F238E27FC236}">
+                    <a16:creationId xmlns:a16="http://schemas.microsoft.com/office/drawing/2014/main" id="{53BA35B5-67B4-6B94-1ECB-682D7FE0FBB0}"/>
+                  </a:ext>
+                </a:extLst>
+              </p:cNvPr>
+              <p:cNvSpPr>
+                <a:spLocks noGrp="1"/>
+              </p:cNvSpPr>
+              <p:nvPr>
+                <p:ph idx="1"/>
+              </p:nvPr>
+            </p:nvSpPr>
+            <p:spPr>
+              <a:xfrm>
+                <a:off x="612647" y="1598128"/>
+                <a:ext cx="10653579" cy="4593828"/>
+              </a:xfrm>
+            </p:spPr>
+            <p:txBody>
+              <a:bodyPr/>
+              <a:lstStyle/>
+              <a:p>
+                <a:pPr marL="0" indent="0">
+                  <a:buNone/>
+                </a:pPr>
+                <a:r>
+                  <a:rPr lang="it-IT" dirty="0" err="1"/>
+                  <a:t>Initial</a:t>
+                </a:r>
+                <a:r>
+                  <a:rPr lang="it-IT" dirty="0"/>
+                  <a:t> </a:t>
+                </a:r>
+                <a:r>
+                  <a:rPr lang="it-IT" dirty="0" err="1"/>
+                  <a:t>solution</a:t>
+                </a:r>
+                <a:r>
+                  <a:rPr lang="it-IT" dirty="0"/>
+                  <a:t>: </a:t>
+                </a:r>
+                <a14:m>
+                  <m:oMath xmlns:m="http://schemas.openxmlformats.org/officeDocument/2006/math">
+                    <m:sSub>
+                      <m:sSubPr>
+                        <m:ctrlPr>
+                          <a:rPr lang="it-IT" b="0" i="1" smtClean="0">
+                            <a:latin typeface="Cambria Math" panose="02040503050406030204" pitchFamily="18" charset="0"/>
+                          </a:rPr>
+                        </m:ctrlPr>
+                      </m:sSubPr>
+                      <m:e>
+                        <m:r>
+                          <a:rPr lang="it-IT" b="0" i="1" smtClean="0">
+                            <a:latin typeface="Cambria Math" panose="02040503050406030204" pitchFamily="18" charset="0"/>
+                          </a:rPr>
+                          <m:t>𝑛</m:t>
+                        </m:r>
+                      </m:e>
+                      <m:sub>
+                        <m:r>
+                          <a:rPr lang="it-IT" b="0" i="1" smtClean="0">
+                            <a:latin typeface="Cambria Math" panose="02040503050406030204" pitchFamily="18" charset="0"/>
+                          </a:rPr>
+                          <m:t>𝑠</m:t>
+                        </m:r>
+                      </m:sub>
+                    </m:sSub>
+                    <m:r>
+                      <a:rPr lang="it-IT" b="0" i="1" smtClean="0">
+                        <a:latin typeface="Cambria Math" panose="02040503050406030204" pitchFamily="18" charset="0"/>
+                      </a:rPr>
+                      <m:t>→</m:t>
+                    </m:r>
+                    <m:r>
+                      <a:rPr lang="it-IT" b="0" i="1" smtClean="0">
+                        <a:latin typeface="Cambria Math" panose="02040503050406030204" pitchFamily="18" charset="0"/>
+                      </a:rPr>
+                      <m:t>𝑎</m:t>
+                    </m:r>
+                    <m:r>
+                      <a:rPr lang="it-IT" b="0" i="1" smtClean="0">
+                        <a:latin typeface="Cambria Math" panose="02040503050406030204" pitchFamily="18" charset="0"/>
+                      </a:rPr>
+                      <m:t> →</m:t>
+                    </m:r>
+                    <m:sSub>
+                      <m:sSubPr>
+                        <m:ctrlPr>
+                          <a:rPr lang="it-IT" i="1">
+                            <a:latin typeface="Cambria Math" panose="02040503050406030204" pitchFamily="18" charset="0"/>
+                          </a:rPr>
+                        </m:ctrlPr>
+                      </m:sSubPr>
+                      <m:e>
+                        <m:r>
+                          <a:rPr lang="it-IT" i="1">
+                            <a:latin typeface="Cambria Math" panose="02040503050406030204" pitchFamily="18" charset="0"/>
+                          </a:rPr>
+                          <m:t>𝑛</m:t>
+                        </m:r>
+                      </m:e>
+                      <m:sub>
+                        <m:r>
+                          <a:rPr lang="it-IT" b="0" i="1" smtClean="0">
+                            <a:latin typeface="Cambria Math" panose="02040503050406030204" pitchFamily="18" charset="0"/>
+                          </a:rPr>
+                          <m:t>𝑑</m:t>
+                        </m:r>
+                      </m:sub>
+                    </m:sSub>
+                  </m:oMath>
+                </a14:m>
+                <a:endParaRPr lang="en-GB" dirty="0"/>
+              </a:p>
+              <a:p>
+                <a:pPr marL="0" indent="0">
+                  <a:buNone/>
+                </a:pPr>
+                <a:r>
+                  <a:rPr lang="en-GB" i="1" dirty="0"/>
+                  <a:t>l</a:t>
+                </a:r>
+                <a:r>
+                  <a:rPr lang="en-GB" dirty="0"/>
+                  <a:t>(</a:t>
+                </a:r>
+                <a:r>
+                  <a:rPr lang="en-GB" i="1" dirty="0"/>
+                  <a:t>Sol</a:t>
+                </a:r>
+                <a:r>
+                  <a:rPr lang="en-GB" dirty="0"/>
+                  <a:t>) = 3</a:t>
+                </a:r>
+              </a:p>
+            </p:txBody>
+          </p:sp>
+        </mc:Choice>
+        <mc:Fallback xmlns="">
+          <p:sp>
+            <p:nvSpPr>
+              <p:cNvPr id="3" name="Content Placeholder 2">
+                <a:extLst>
+                  <a:ext uri="{FF2B5EF4-FFF2-40B4-BE49-F238E27FC236}">
+                    <a16:creationId xmlns:a16="http://schemas.microsoft.com/office/drawing/2014/main" id="{53BA35B5-67B4-6B94-1ECB-682D7FE0FBB0}"/>
+                  </a:ext>
+                </a:extLst>
+              </p:cNvPr>
+              <p:cNvSpPr>
+                <a:spLocks noGrp="1" noRot="1" noChangeAspect="1" noMove="1" noResize="1" noEditPoints="1" noAdjustHandles="1" noChangeArrowheads="1" noChangeShapeType="1" noTextEdit="1"/>
+              </p:cNvSpPr>
+              <p:nvPr>
+                <p:ph idx="1"/>
+              </p:nvPr>
+            </p:nvSpPr>
+            <p:spPr>
+              <a:xfrm>
+                <a:off x="612647" y="1598128"/>
+                <a:ext cx="10653579" cy="4593828"/>
+              </a:xfrm>
+              <a:blipFill>
+                <a:blip r:embed="rId2"/>
+                <a:stretch>
+                  <a:fillRect l="-572"/>
+                </a:stretch>
+              </a:blipFill>
+            </p:spPr>
+            <p:txBody>
+              <a:bodyPr/>
+              <a:lstStyle/>
+              <a:p>
+                <a:r>
+                  <a:rPr lang="en-GB">
+                    <a:noFill/>
+                  </a:rPr>
+                  <a:t> </a:t>
+                </a:r>
+              </a:p>
+            </p:txBody>
+          </p:sp>
+        </mc:Fallback>
+      </mc:AlternateContent>
+      <p:sp>
+        <p:nvSpPr>
+          <p:cNvPr id="4" name="Slide Number Placeholder 3">
+            <a:extLst>
+              <a:ext uri="{FF2B5EF4-FFF2-40B4-BE49-F238E27FC236}">
+                <a16:creationId xmlns:a16="http://schemas.microsoft.com/office/drawing/2014/main" id="{B7F7FF40-C684-7B4B-7A2B-01D2E0F3FEEA}"/>
+              </a:ext>
+            </a:extLst>
+          </p:cNvPr>
+          <p:cNvSpPr>
+            <a:spLocks noGrp="1"/>
+          </p:cNvSpPr>
+          <p:nvPr>
+            <p:ph type="sldNum" sz="quarter" idx="12"/>
+          </p:nvPr>
+        </p:nvSpPr>
+        <p:spPr/>
+        <p:txBody>
+          <a:bodyPr/>
+          <a:lstStyle/>
+          <a:p>
+            <a:fld id="{CC057153-B650-4DEB-B370-79DDCFDCE934}" type="slidenum">
+              <a:rPr lang="en-US" smtClean="0"/>
+              <a:t>16</a:t>
+            </a:fld>
+            <a:endParaRPr lang="en-US"/>
+          </a:p>
+        </p:txBody>
+      </p:sp>
+      <p:pic>
+        <p:nvPicPr>
+          <p:cNvPr id="6" name="Picture 5" descr="A diagram of a diamond with lines and dots with Great Pyramid of Giza in the background&#10;&#10;AI-generated content may be incorrect.">
+            <a:extLst>
+              <a:ext uri="{FF2B5EF4-FFF2-40B4-BE49-F238E27FC236}">
+                <a16:creationId xmlns:a16="http://schemas.microsoft.com/office/drawing/2014/main" id="{CFC64ED3-FAC5-8E3F-412B-289D6D367AC5}"/>
+              </a:ext>
+            </a:extLst>
+          </p:cNvPr>
+          <p:cNvPicPr>
+            <a:picLocks noChangeAspect="1"/>
+          </p:cNvPicPr>
+          <p:nvPr/>
+        </p:nvPicPr>
+        <p:blipFill>
+          <a:blip r:embed="rId3"/>
+          <a:stretch>
+            <a:fillRect/>
+          </a:stretch>
+        </p:blipFill>
+        <p:spPr>
+          <a:xfrm>
+            <a:off x="141316" y="2668374"/>
+            <a:ext cx="3256616" cy="3411456"/>
+          </a:xfrm>
+          <a:prstGeom prst="rect">
+            <a:avLst/>
+          </a:prstGeom>
+        </p:spPr>
+      </p:pic>
+      <p:sp>
+        <p:nvSpPr>
+          <p:cNvPr id="7" name="TextBox 6">
+            <a:extLst>
+              <a:ext uri="{FF2B5EF4-FFF2-40B4-BE49-F238E27FC236}">
+                <a16:creationId xmlns:a16="http://schemas.microsoft.com/office/drawing/2014/main" id="{3668C237-F89F-12D1-6014-F10000DC6E38}"/>
+              </a:ext>
+            </a:extLst>
+          </p:cNvPr>
+          <p:cNvSpPr txBox="1"/>
+          <p:nvPr/>
+        </p:nvSpPr>
+        <p:spPr>
+          <a:xfrm>
+            <a:off x="3397932" y="3719982"/>
+            <a:ext cx="688265" cy="369332"/>
+          </a:xfrm>
+          <a:prstGeom prst="rect">
+            <a:avLst/>
+          </a:prstGeom>
+          <a:noFill/>
+        </p:spPr>
+        <p:txBody>
+          <a:bodyPr wrap="none" rtlCol="0">
+            <a:spAutoFit/>
+          </a:bodyPr>
+          <a:lstStyle/>
+          <a:p>
+            <a:r>
+              <a:rPr lang="en-GB" dirty="0"/>
+              <a:t>GRA</a:t>
+            </a:r>
+          </a:p>
+        </p:txBody>
+      </p:sp>
+      <p:pic>
+        <p:nvPicPr>
+          <p:cNvPr id="9" name="Picture 8" descr="A diagram of a hexagon with black lines and dots&#10;&#10;AI-generated content may be incorrect.">
+            <a:extLst>
+              <a:ext uri="{FF2B5EF4-FFF2-40B4-BE49-F238E27FC236}">
+                <a16:creationId xmlns:a16="http://schemas.microsoft.com/office/drawing/2014/main" id="{EF010CA4-E253-AEDC-133B-0BC01A2307C5}"/>
+              </a:ext>
+            </a:extLst>
+          </p:cNvPr>
+          <p:cNvPicPr>
+            <a:picLocks noChangeAspect="1"/>
+          </p:cNvPicPr>
+          <p:nvPr/>
+        </p:nvPicPr>
+        <p:blipFill>
+          <a:blip r:embed="rId4"/>
+          <a:stretch>
+            <a:fillRect/>
+          </a:stretch>
+        </p:blipFill>
+        <p:spPr>
+          <a:xfrm>
+            <a:off x="4198456" y="3537615"/>
+            <a:ext cx="3256616" cy="1672975"/>
+          </a:xfrm>
+          <a:prstGeom prst="rect">
+            <a:avLst/>
+          </a:prstGeom>
+        </p:spPr>
+      </p:pic>
+      <p:pic>
+        <p:nvPicPr>
+          <p:cNvPr id="11" name="Picture 10" descr="A diagram of a diamond with black dots and black lines&#10;&#10;AI-generated content may be incorrect.">
+            <a:extLst>
+              <a:ext uri="{FF2B5EF4-FFF2-40B4-BE49-F238E27FC236}">
+                <a16:creationId xmlns:a16="http://schemas.microsoft.com/office/drawing/2014/main" id="{C41C0D95-C7AD-5B27-D8AB-3449C475A942}"/>
+              </a:ext>
+            </a:extLst>
+          </p:cNvPr>
+          <p:cNvPicPr>
+            <a:picLocks noChangeAspect="1"/>
+          </p:cNvPicPr>
+          <p:nvPr/>
+        </p:nvPicPr>
+        <p:blipFill>
+          <a:blip r:embed="rId5"/>
+          <a:stretch>
+            <a:fillRect/>
+          </a:stretch>
+        </p:blipFill>
+        <p:spPr>
+          <a:xfrm>
+            <a:off x="8184047" y="3540595"/>
+            <a:ext cx="3337585" cy="1672975"/>
+          </a:xfrm>
+          <a:prstGeom prst="rect">
+            <a:avLst/>
+          </a:prstGeom>
+        </p:spPr>
+      </p:pic>
+      <p:sp>
+        <p:nvSpPr>
+          <p:cNvPr id="18" name="Right Arrow 17">
+            <a:extLst>
+              <a:ext uri="{FF2B5EF4-FFF2-40B4-BE49-F238E27FC236}">
+                <a16:creationId xmlns:a16="http://schemas.microsoft.com/office/drawing/2014/main" id="{5418152F-2EAA-8371-F905-CAE9A6B76586}"/>
+              </a:ext>
+            </a:extLst>
+          </p:cNvPr>
+          <p:cNvSpPr/>
+          <p:nvPr/>
+        </p:nvSpPr>
+        <p:spPr>
+          <a:xfrm>
+            <a:off x="3562528" y="4148016"/>
+            <a:ext cx="482321" cy="351692"/>
+          </a:xfrm>
+          <a:prstGeom prst="rightArrow">
+            <a:avLst/>
+          </a:prstGeom>
+        </p:spPr>
+        <p:style>
+          <a:lnRef idx="2">
+            <a:schemeClr val="accent1">
+              <a:shade val="15000"/>
+            </a:schemeClr>
+          </a:lnRef>
+          <a:fillRef idx="1">
+            <a:schemeClr val="accent1"/>
+          </a:fillRef>
+          <a:effectRef idx="0">
+            <a:schemeClr val="accent1"/>
+          </a:effectRef>
+          <a:fontRef idx="minor">
+            <a:schemeClr val="lt1"/>
+          </a:fontRef>
+        </p:style>
+        <p:txBody>
+          <a:bodyPr rtlCol="0" anchor="ctr"/>
+          <a:lstStyle/>
+          <a:p>
+            <a:pPr algn="ctr"/>
+            <a:endParaRPr lang="en-GB"/>
+          </a:p>
+        </p:txBody>
+      </p:sp>
+      <p:sp>
+        <p:nvSpPr>
+          <p:cNvPr id="19" name="Right Arrow 18">
+            <a:extLst>
+              <a:ext uri="{FF2B5EF4-FFF2-40B4-BE49-F238E27FC236}">
+                <a16:creationId xmlns:a16="http://schemas.microsoft.com/office/drawing/2014/main" id="{20EA88D4-0947-A414-DDD7-29F1F01190F4}"/>
+              </a:ext>
+            </a:extLst>
+          </p:cNvPr>
+          <p:cNvSpPr/>
+          <p:nvPr/>
+        </p:nvSpPr>
+        <p:spPr>
+          <a:xfrm>
+            <a:off x="7557699" y="4191189"/>
+            <a:ext cx="482321" cy="351692"/>
+          </a:xfrm>
+          <a:prstGeom prst="rightArrow">
+            <a:avLst/>
+          </a:prstGeom>
+        </p:spPr>
+        <p:style>
+          <a:lnRef idx="2">
+            <a:schemeClr val="accent1">
+              <a:shade val="15000"/>
+            </a:schemeClr>
+          </a:lnRef>
+          <a:fillRef idx="1">
+            <a:schemeClr val="accent1"/>
+          </a:fillRef>
+          <a:effectRef idx="0">
+            <a:schemeClr val="accent1"/>
+          </a:effectRef>
+          <a:fontRef idx="minor">
+            <a:schemeClr val="lt1"/>
+          </a:fontRef>
+        </p:style>
+        <p:txBody>
+          <a:bodyPr rtlCol="0" anchor="ctr"/>
+          <a:lstStyle/>
+          <a:p>
+            <a:pPr algn="ctr"/>
+            <a:endParaRPr lang="en-GB"/>
+          </a:p>
+        </p:txBody>
+      </p:sp>
+      <p:sp>
+        <p:nvSpPr>
+          <p:cNvPr id="20" name="Rectangle 19">
+            <a:extLst>
+              <a:ext uri="{FF2B5EF4-FFF2-40B4-BE49-F238E27FC236}">
+                <a16:creationId xmlns:a16="http://schemas.microsoft.com/office/drawing/2014/main" id="{A6E7E4D4-5049-D22A-17AA-5C69C13DB5DA}"/>
+              </a:ext>
+            </a:extLst>
+          </p:cNvPr>
+          <p:cNvSpPr/>
+          <p:nvPr/>
+        </p:nvSpPr>
+        <p:spPr>
+          <a:xfrm>
+            <a:off x="0" y="6309360"/>
+            <a:ext cx="12192000" cy="548640"/>
+          </a:xfrm>
+          <a:prstGeom prst="rect">
+            <a:avLst/>
+          </a:prstGeom>
+          <a:solidFill>
+            <a:srgbClr val="002060"/>
+          </a:solidFill>
+          <a:ln>
+            <a:solidFill>
+              <a:srgbClr val="0070C0"/>
+            </a:solidFill>
+          </a:ln>
+        </p:spPr>
+        <p:style>
+          <a:lnRef idx="2">
+            <a:schemeClr val="accent1">
+              <a:shade val="15000"/>
+            </a:schemeClr>
+          </a:lnRef>
+          <a:fillRef idx="1">
+            <a:schemeClr val="accent1"/>
+          </a:fillRef>
+          <a:effectRef idx="0">
+            <a:schemeClr val="accent1"/>
+          </a:effectRef>
+          <a:fontRef idx="minor">
+            <a:schemeClr val="lt1"/>
+          </a:fontRef>
+        </p:style>
+        <p:txBody>
+          <a:bodyPr rtlCol="0" anchor="ctr"/>
+          <a:lstStyle/>
+          <a:p>
+            <a:pPr algn="ctr"/>
+            <a:r>
+              <a:rPr lang="en-GB" dirty="0"/>
+              <a:t>		</a:t>
+            </a:r>
+            <a:r>
+              <a:rPr lang="en-GB" dirty="0">
+                <a:solidFill>
+                  <a:schemeClr val="tx1">
+                    <a:lumMod val="50000"/>
+                    <a:lumOff val="50000"/>
+                  </a:schemeClr>
+                </a:solidFill>
+              </a:rPr>
+              <a:t>Overview</a:t>
+            </a:r>
+            <a:r>
+              <a:rPr lang="en-GB" dirty="0"/>
+              <a:t>			</a:t>
+            </a:r>
+            <a:r>
+              <a:rPr lang="en-GB" dirty="0">
+                <a:solidFill>
+                  <a:schemeClr val="tx1">
+                    <a:lumMod val="50000"/>
+                    <a:lumOff val="50000"/>
+                  </a:schemeClr>
+                </a:solidFill>
+              </a:rPr>
+              <a:t>Formulation</a:t>
+            </a:r>
+            <a:r>
+              <a:rPr lang="en-GB" dirty="0"/>
+              <a:t>			</a:t>
+            </a:r>
+            <a:r>
+              <a:rPr lang="en-GB" dirty="0">
+                <a:solidFill>
+                  <a:schemeClr val="bg1"/>
+                </a:solidFill>
+              </a:rPr>
+              <a:t>Proposed Algorithms</a:t>
+            </a:r>
+            <a:r>
+              <a:rPr lang="en-GB" dirty="0"/>
+              <a:t>			</a:t>
+            </a:r>
+            <a:r>
+              <a:rPr lang="en-GB" dirty="0">
+                <a:solidFill>
+                  <a:schemeClr val="tx1">
+                    <a:lumMod val="50000"/>
+                    <a:lumOff val="50000"/>
+                  </a:schemeClr>
+                </a:solidFill>
+              </a:rPr>
+              <a:t>Results</a:t>
+            </a:r>
+            <a:r>
+              <a:rPr lang="en-GB" dirty="0"/>
+              <a:t>				</a:t>
+            </a:r>
+          </a:p>
+        </p:txBody>
+      </p:sp>
+      <p:sp>
+        <p:nvSpPr>
+          <p:cNvPr id="5" name="Title 1">
+            <a:extLst>
+              <a:ext uri="{FF2B5EF4-FFF2-40B4-BE49-F238E27FC236}">
+                <a16:creationId xmlns:a16="http://schemas.microsoft.com/office/drawing/2014/main" id="{F00DBB4C-723E-A442-BCE7-655002D0D929}"/>
+              </a:ext>
+            </a:extLst>
+          </p:cNvPr>
+          <p:cNvSpPr txBox="1">
+            <a:spLocks/>
+          </p:cNvSpPr>
+          <p:nvPr/>
+        </p:nvSpPr>
+        <p:spPr>
+          <a:xfrm>
+            <a:off x="10976154" y="101285"/>
+            <a:ext cx="417775" cy="329952"/>
+          </a:xfrm>
+          <a:prstGeom prst="rect">
+            <a:avLst/>
+          </a:prstGeom>
+        </p:spPr>
+        <p:txBody>
+          <a:bodyPr vert="horz" lIns="91440" tIns="45720" rIns="91440" bIns="45720" rtlCol="0" anchor="t">
+            <a:normAutofit fontScale="55000" lnSpcReduction="20000"/>
+          </a:bodyPr>
+          <a:lstStyle>
+            <a:lvl1pPr algn="l" defTabSz="914400" rtl="0" eaLnBrk="1" latinLnBrk="0" hangingPunct="1">
+              <a:lnSpc>
+                <a:spcPct val="90000"/>
+              </a:lnSpc>
+              <a:spcBef>
+                <a:spcPct val="0"/>
+              </a:spcBef>
+              <a:buNone/>
+              <a:defRPr sz="3600" b="1" kern="1200">
+                <a:solidFill>
+                  <a:schemeClr val="tx1"/>
+                </a:solidFill>
+                <a:latin typeface="+mj-lt"/>
+                <a:ea typeface="+mj-ea"/>
+                <a:cs typeface="+mj-cs"/>
+              </a:defRPr>
+            </a:lvl1pPr>
+          </a:lstStyle>
+          <a:p>
+            <a:endParaRPr lang="en-GB" dirty="0"/>
+          </a:p>
+        </p:txBody>
+      </p:sp>
+      <p:sp>
+        <p:nvSpPr>
+          <p:cNvPr id="12" name="Rectangle 11">
+            <a:extLst>
+              <a:ext uri="{FF2B5EF4-FFF2-40B4-BE49-F238E27FC236}">
+                <a16:creationId xmlns:a16="http://schemas.microsoft.com/office/drawing/2014/main" id="{B22F8243-20C4-8C4E-6BBD-835E66069184}"/>
+              </a:ext>
+            </a:extLst>
+          </p:cNvPr>
+          <p:cNvSpPr/>
+          <p:nvPr/>
+        </p:nvSpPr>
+        <p:spPr>
+          <a:xfrm>
+            <a:off x="254000" y="4166011"/>
+            <a:ext cx="358646" cy="208091"/>
+          </a:xfrm>
+          <a:prstGeom prst="rect">
+            <a:avLst/>
+          </a:prstGeom>
+          <a:solidFill>
+            <a:schemeClr val="bg1"/>
+          </a:solidFill>
+          <a:ln>
+            <a:solidFill>
+              <a:schemeClr val="bg1"/>
+            </a:solidFill>
+          </a:ln>
+        </p:spPr>
+        <p:style>
+          <a:lnRef idx="2">
+            <a:schemeClr val="accent1">
+              <a:shade val="15000"/>
+            </a:schemeClr>
+          </a:lnRef>
+          <a:fillRef idx="1">
+            <a:schemeClr val="accent1"/>
+          </a:fillRef>
+          <a:effectRef idx="0">
+            <a:schemeClr val="accent1"/>
+          </a:effectRef>
+          <a:fontRef idx="minor">
+            <a:schemeClr val="lt1"/>
+          </a:fontRef>
+        </p:style>
+        <p:txBody>
+          <a:bodyPr rtlCol="0" anchor="ctr"/>
+          <a:lstStyle/>
+          <a:p>
+            <a:pPr algn="ctr"/>
+            <a:endParaRPr lang="en-GB" dirty="0"/>
+          </a:p>
+        </p:txBody>
+      </p:sp>
+      <mc:AlternateContent xmlns:mc="http://schemas.openxmlformats.org/markup-compatibility/2006" xmlns:a14="http://schemas.microsoft.com/office/drawing/2010/main">
+        <mc:Choice Requires="a14">
+          <p:sp>
+            <p:nvSpPr>
+              <p:cNvPr id="14" name="TextBox 13">
+                <a:extLst>
+                  <a:ext uri="{FF2B5EF4-FFF2-40B4-BE49-F238E27FC236}">
+                    <a16:creationId xmlns:a16="http://schemas.microsoft.com/office/drawing/2014/main" id="{6398E6B6-0F66-BB8F-F638-99B271131C17}"/>
+                  </a:ext>
+                </a:extLst>
+              </p:cNvPr>
+              <p:cNvSpPr txBox="1"/>
+              <p:nvPr/>
+            </p:nvSpPr>
+            <p:spPr>
+              <a:xfrm>
+                <a:off x="254000" y="4130376"/>
+                <a:ext cx="424529" cy="369332"/>
+              </a:xfrm>
+              <a:prstGeom prst="rect">
+                <a:avLst/>
+              </a:prstGeom>
+              <a:noFill/>
+            </p:spPr>
+            <p:txBody>
+              <a:bodyPr wrap="square">
+                <a:spAutoFit/>
+              </a:bodyPr>
+              <a:lstStyle/>
+              <a:p>
+                <a:pPr/>
+                <a14:m>
+                  <m:oMathPara xmlns:m="http://schemas.openxmlformats.org/officeDocument/2006/math">
+                    <m:oMathParaPr>
+                      <m:jc m:val="centerGroup"/>
+                    </m:oMathParaPr>
+                    <m:oMath xmlns:m="http://schemas.openxmlformats.org/officeDocument/2006/math">
+                      <m:sSub>
+                        <m:sSubPr>
+                          <m:ctrlPr>
+                            <a:rPr lang="it-IT" b="0" i="1" smtClean="0">
+                              <a:latin typeface="Cambria Math" panose="02040503050406030204" pitchFamily="18" charset="0"/>
+                            </a:rPr>
+                          </m:ctrlPr>
+                        </m:sSubPr>
+                        <m:e>
+                          <m:r>
+                            <a:rPr lang="it-IT" b="0" i="1" smtClean="0">
+                              <a:latin typeface="Cambria Math" panose="02040503050406030204" pitchFamily="18" charset="0"/>
+                            </a:rPr>
+                            <m:t>𝑛</m:t>
+                          </m:r>
+                        </m:e>
+                        <m:sub>
+                          <m:r>
+                            <a:rPr lang="it-IT" b="0" i="1" smtClean="0">
+                              <a:latin typeface="Cambria Math" panose="02040503050406030204" pitchFamily="18" charset="0"/>
+                            </a:rPr>
+                            <m:t>𝑠</m:t>
+                          </m:r>
+                        </m:sub>
+                      </m:sSub>
+                    </m:oMath>
+                  </m:oMathPara>
+                </a14:m>
+                <a:endParaRPr lang="en-GB" dirty="0"/>
+              </a:p>
+            </p:txBody>
+          </p:sp>
+        </mc:Choice>
+        <mc:Fallback xmlns="">
+          <p:sp>
+            <p:nvSpPr>
+              <p:cNvPr id="14" name="TextBox 13">
+                <a:extLst>
+                  <a:ext uri="{FF2B5EF4-FFF2-40B4-BE49-F238E27FC236}">
+                    <a16:creationId xmlns:a16="http://schemas.microsoft.com/office/drawing/2014/main" id="{6398E6B6-0F66-BB8F-F638-99B271131C17}"/>
+                  </a:ext>
+                </a:extLst>
+              </p:cNvPr>
+              <p:cNvSpPr txBox="1">
+                <a:spLocks noRot="1" noChangeAspect="1" noMove="1" noResize="1" noEditPoints="1" noAdjustHandles="1" noChangeArrowheads="1" noChangeShapeType="1" noTextEdit="1"/>
+              </p:cNvSpPr>
+              <p:nvPr/>
+            </p:nvSpPr>
+            <p:spPr>
+              <a:xfrm>
+                <a:off x="254000" y="4130376"/>
+                <a:ext cx="424529" cy="369332"/>
+              </a:xfrm>
+              <a:prstGeom prst="rect">
+                <a:avLst/>
+              </a:prstGeom>
+              <a:blipFill>
+                <a:blip r:embed="rId6"/>
+                <a:stretch>
+                  <a:fillRect/>
+                </a:stretch>
+              </a:blipFill>
+            </p:spPr>
+            <p:txBody>
+              <a:bodyPr/>
+              <a:lstStyle/>
+              <a:p>
+                <a:r>
+                  <a:rPr lang="en-GB">
+                    <a:noFill/>
+                  </a:rPr>
+                  <a:t> </a:t>
+                </a:r>
+              </a:p>
+            </p:txBody>
+          </p:sp>
+        </mc:Fallback>
+      </mc:AlternateContent>
+      <mc:AlternateContent xmlns:mc="http://schemas.openxmlformats.org/markup-compatibility/2006" xmlns:a14="http://schemas.microsoft.com/office/drawing/2010/main">
+        <mc:Choice Requires="a14">
+          <p:sp>
+            <p:nvSpPr>
+              <p:cNvPr id="16" name="TextBox 15">
+                <a:extLst>
+                  <a:ext uri="{FF2B5EF4-FFF2-40B4-BE49-F238E27FC236}">
+                    <a16:creationId xmlns:a16="http://schemas.microsoft.com/office/drawing/2014/main" id="{5F9B84B9-6522-75B8-C1EB-4A7A5B2BA7F4}"/>
+                  </a:ext>
+                </a:extLst>
+              </p:cNvPr>
+              <p:cNvSpPr txBox="1"/>
+              <p:nvPr/>
+            </p:nvSpPr>
+            <p:spPr>
+              <a:xfrm>
+                <a:off x="3021551" y="4085390"/>
+                <a:ext cx="352980" cy="369332"/>
+              </a:xfrm>
+              <a:prstGeom prst="rect">
+                <a:avLst/>
+              </a:prstGeom>
+              <a:solidFill>
+                <a:schemeClr val="bg1"/>
+              </a:solidFill>
+            </p:spPr>
+            <p:txBody>
+              <a:bodyPr wrap="square">
+                <a:spAutoFit/>
+              </a:bodyPr>
+              <a:lstStyle/>
+              <a:p>
+                <a:pPr/>
+                <a14:m>
+                  <m:oMathPara xmlns:m="http://schemas.openxmlformats.org/officeDocument/2006/math">
+                    <m:oMathParaPr>
+                      <m:jc m:val="centerGroup"/>
+                    </m:oMathParaPr>
+                    <m:oMath xmlns:m="http://schemas.openxmlformats.org/officeDocument/2006/math">
+                      <m:sSub>
+                        <m:sSubPr>
+                          <m:ctrlPr>
+                            <a:rPr lang="it-IT" b="0" i="1" smtClean="0">
+                              <a:latin typeface="Cambria Math" panose="02040503050406030204" pitchFamily="18" charset="0"/>
+                            </a:rPr>
+                          </m:ctrlPr>
+                        </m:sSubPr>
+                        <m:e>
+                          <m:r>
+                            <a:rPr lang="it-IT" b="0" i="1" smtClean="0">
+                              <a:latin typeface="Cambria Math" panose="02040503050406030204" pitchFamily="18" charset="0"/>
+                            </a:rPr>
+                            <m:t>𝑛</m:t>
+                          </m:r>
+                        </m:e>
+                        <m:sub>
+                          <m:r>
+                            <a:rPr lang="it-IT" b="0" i="1" smtClean="0">
+                              <a:latin typeface="Cambria Math" panose="02040503050406030204" pitchFamily="18" charset="0"/>
+                            </a:rPr>
+                            <m:t>𝑑</m:t>
+                          </m:r>
+                        </m:sub>
+                      </m:sSub>
+                    </m:oMath>
+                  </m:oMathPara>
+                </a14:m>
+                <a:endParaRPr lang="en-GB" dirty="0"/>
+              </a:p>
+            </p:txBody>
+          </p:sp>
+        </mc:Choice>
+        <mc:Fallback xmlns="">
+          <p:sp>
+            <p:nvSpPr>
+              <p:cNvPr id="16" name="TextBox 15">
+                <a:extLst>
+                  <a:ext uri="{FF2B5EF4-FFF2-40B4-BE49-F238E27FC236}">
+                    <a16:creationId xmlns:a16="http://schemas.microsoft.com/office/drawing/2014/main" id="{5F9B84B9-6522-75B8-C1EB-4A7A5B2BA7F4}"/>
+                  </a:ext>
+                </a:extLst>
+              </p:cNvPr>
+              <p:cNvSpPr txBox="1">
+                <a:spLocks noRot="1" noChangeAspect="1" noMove="1" noResize="1" noEditPoints="1" noAdjustHandles="1" noChangeArrowheads="1" noChangeShapeType="1" noTextEdit="1"/>
+              </p:cNvSpPr>
+              <p:nvPr/>
+            </p:nvSpPr>
+            <p:spPr>
+              <a:xfrm>
+                <a:off x="3021551" y="4085390"/>
+                <a:ext cx="352980" cy="369332"/>
+              </a:xfrm>
+              <a:prstGeom prst="rect">
+                <a:avLst/>
+              </a:prstGeom>
+              <a:blipFill>
+                <a:blip r:embed="rId7"/>
+                <a:stretch>
+                  <a:fillRect r="-12069" b="-1639"/>
+                </a:stretch>
+              </a:blipFill>
+            </p:spPr>
+            <p:txBody>
+              <a:bodyPr/>
+              <a:lstStyle/>
+              <a:p>
+                <a:r>
+                  <a:rPr lang="en-GB">
+                    <a:noFill/>
+                  </a:rPr>
+                  <a:t> </a:t>
+                </a:r>
+              </a:p>
+            </p:txBody>
+          </p:sp>
+        </mc:Fallback>
+      </mc:AlternateContent>
+      <mc:AlternateContent xmlns:mc="http://schemas.openxmlformats.org/markup-compatibility/2006" xmlns:a14="http://schemas.microsoft.com/office/drawing/2010/main">
+        <mc:Choice Requires="a14">
+          <p:sp>
+            <p:nvSpPr>
+              <p:cNvPr id="21" name="TextBox 20">
+                <a:extLst>
+                  <a:ext uri="{FF2B5EF4-FFF2-40B4-BE49-F238E27FC236}">
+                    <a16:creationId xmlns:a16="http://schemas.microsoft.com/office/drawing/2014/main" id="{A74F019C-ACBB-FA2B-FC7C-AC0B3A7796B6}"/>
+                  </a:ext>
+                </a:extLst>
+              </p:cNvPr>
+              <p:cNvSpPr txBox="1"/>
+              <p:nvPr/>
+            </p:nvSpPr>
+            <p:spPr>
+              <a:xfrm>
+                <a:off x="7102093" y="4038106"/>
+                <a:ext cx="352980" cy="369332"/>
+              </a:xfrm>
+              <a:prstGeom prst="rect">
+                <a:avLst/>
+              </a:prstGeom>
+              <a:solidFill>
+                <a:schemeClr val="bg1"/>
+              </a:solidFill>
+            </p:spPr>
+            <p:txBody>
+              <a:bodyPr wrap="square">
+                <a:spAutoFit/>
+              </a:bodyPr>
+              <a:lstStyle/>
+              <a:p>
+                <a:pPr/>
+                <a14:m>
+                  <m:oMathPara xmlns:m="http://schemas.openxmlformats.org/officeDocument/2006/math">
+                    <m:oMathParaPr>
+                      <m:jc m:val="centerGroup"/>
+                    </m:oMathParaPr>
+                    <m:oMath xmlns:m="http://schemas.openxmlformats.org/officeDocument/2006/math">
+                      <m:sSub>
+                        <m:sSubPr>
+                          <m:ctrlPr>
+                            <a:rPr lang="it-IT" b="0" i="1" smtClean="0">
+                              <a:latin typeface="Cambria Math" panose="02040503050406030204" pitchFamily="18" charset="0"/>
+                            </a:rPr>
+                          </m:ctrlPr>
+                        </m:sSubPr>
+                        <m:e>
+                          <m:r>
+                            <a:rPr lang="it-IT" b="0" i="1" smtClean="0">
+                              <a:latin typeface="Cambria Math" panose="02040503050406030204" pitchFamily="18" charset="0"/>
+                            </a:rPr>
+                            <m:t>𝑛</m:t>
+                          </m:r>
+                        </m:e>
+                        <m:sub>
+                          <m:r>
+                            <a:rPr lang="it-IT" b="0" i="1" smtClean="0">
+                              <a:latin typeface="Cambria Math" panose="02040503050406030204" pitchFamily="18" charset="0"/>
+                            </a:rPr>
+                            <m:t>𝑑</m:t>
+                          </m:r>
+                        </m:sub>
+                      </m:sSub>
+                    </m:oMath>
+                  </m:oMathPara>
+                </a14:m>
+                <a:endParaRPr lang="en-GB" dirty="0"/>
+              </a:p>
+            </p:txBody>
+          </p:sp>
+        </mc:Choice>
+        <mc:Fallback xmlns="">
+          <p:sp>
+            <p:nvSpPr>
+              <p:cNvPr id="21" name="TextBox 20">
+                <a:extLst>
+                  <a:ext uri="{FF2B5EF4-FFF2-40B4-BE49-F238E27FC236}">
+                    <a16:creationId xmlns:a16="http://schemas.microsoft.com/office/drawing/2014/main" id="{A74F019C-ACBB-FA2B-FC7C-AC0B3A7796B6}"/>
+                  </a:ext>
+                </a:extLst>
+              </p:cNvPr>
+              <p:cNvSpPr txBox="1">
+                <a:spLocks noRot="1" noChangeAspect="1" noMove="1" noResize="1" noEditPoints="1" noAdjustHandles="1" noChangeArrowheads="1" noChangeShapeType="1" noTextEdit="1"/>
+              </p:cNvSpPr>
+              <p:nvPr/>
+            </p:nvSpPr>
+            <p:spPr>
+              <a:xfrm>
+                <a:off x="7102093" y="4038106"/>
+                <a:ext cx="352980" cy="369332"/>
+              </a:xfrm>
+              <a:prstGeom prst="rect">
+                <a:avLst/>
+              </a:prstGeom>
+              <a:blipFill>
+                <a:blip r:embed="rId8"/>
+                <a:stretch>
+                  <a:fillRect r="-12069" b="-1639"/>
+                </a:stretch>
+              </a:blipFill>
+            </p:spPr>
+            <p:txBody>
+              <a:bodyPr/>
+              <a:lstStyle/>
+              <a:p>
+                <a:r>
+                  <a:rPr lang="en-GB">
+                    <a:noFill/>
+                  </a:rPr>
+                  <a:t> </a:t>
+                </a:r>
+              </a:p>
+            </p:txBody>
+          </p:sp>
+        </mc:Fallback>
+      </mc:AlternateContent>
+      <mc:AlternateContent xmlns:mc="http://schemas.openxmlformats.org/markup-compatibility/2006" xmlns:a14="http://schemas.microsoft.com/office/drawing/2010/main">
+        <mc:Choice Requires="a14">
+          <p:sp>
+            <p:nvSpPr>
+              <p:cNvPr id="22" name="TextBox 21">
+                <a:extLst>
+                  <a:ext uri="{FF2B5EF4-FFF2-40B4-BE49-F238E27FC236}">
+                    <a16:creationId xmlns:a16="http://schemas.microsoft.com/office/drawing/2014/main" id="{4A40F0AD-5521-F773-4DC2-0E41A392A81E}"/>
+                  </a:ext>
+                </a:extLst>
+              </p:cNvPr>
+              <p:cNvSpPr txBox="1"/>
+              <p:nvPr/>
+            </p:nvSpPr>
+            <p:spPr>
+              <a:xfrm>
+                <a:off x="4175055" y="3997703"/>
+                <a:ext cx="352980" cy="369332"/>
+              </a:xfrm>
+              <a:prstGeom prst="rect">
+                <a:avLst/>
+              </a:prstGeom>
+              <a:solidFill>
+                <a:schemeClr val="bg1"/>
+              </a:solidFill>
+            </p:spPr>
+            <p:txBody>
+              <a:bodyPr wrap="square">
+                <a:spAutoFit/>
+              </a:bodyPr>
+              <a:lstStyle/>
+              <a:p>
+                <a:pPr/>
+                <a14:m>
+                  <m:oMathPara xmlns:m="http://schemas.openxmlformats.org/officeDocument/2006/math">
+                    <m:oMathParaPr>
+                      <m:jc m:val="centerGroup"/>
+                    </m:oMathParaPr>
+                    <m:oMath xmlns:m="http://schemas.openxmlformats.org/officeDocument/2006/math">
+                      <m:sSub>
+                        <m:sSubPr>
+                          <m:ctrlPr>
+                            <a:rPr lang="it-IT" b="0" i="1" smtClean="0">
+                              <a:latin typeface="Cambria Math" panose="02040503050406030204" pitchFamily="18" charset="0"/>
+                            </a:rPr>
+                          </m:ctrlPr>
+                        </m:sSubPr>
+                        <m:e>
+                          <m:r>
+                            <a:rPr lang="it-IT" b="0" i="1" smtClean="0">
+                              <a:latin typeface="Cambria Math" panose="02040503050406030204" pitchFamily="18" charset="0"/>
+                            </a:rPr>
+                            <m:t>𝑛</m:t>
+                          </m:r>
+                        </m:e>
+                        <m:sub>
+                          <m:r>
+                            <a:rPr lang="it-IT" b="0" i="1" smtClean="0">
+                              <a:latin typeface="Cambria Math" panose="02040503050406030204" pitchFamily="18" charset="0"/>
+                            </a:rPr>
+                            <m:t>𝑠</m:t>
+                          </m:r>
+                        </m:sub>
+                      </m:sSub>
+                    </m:oMath>
+                  </m:oMathPara>
+                </a14:m>
+                <a:endParaRPr lang="en-GB" dirty="0"/>
+              </a:p>
+            </p:txBody>
+          </p:sp>
+        </mc:Choice>
+        <mc:Fallback xmlns="">
+          <p:sp>
+            <p:nvSpPr>
+              <p:cNvPr id="22" name="TextBox 21">
+                <a:extLst>
+                  <a:ext uri="{FF2B5EF4-FFF2-40B4-BE49-F238E27FC236}">
+                    <a16:creationId xmlns:a16="http://schemas.microsoft.com/office/drawing/2014/main" id="{4A40F0AD-5521-F773-4DC2-0E41A392A81E}"/>
+                  </a:ext>
+                </a:extLst>
+              </p:cNvPr>
+              <p:cNvSpPr txBox="1">
+                <a:spLocks noRot="1" noChangeAspect="1" noMove="1" noResize="1" noEditPoints="1" noAdjustHandles="1" noChangeArrowheads="1" noChangeShapeType="1" noTextEdit="1"/>
+              </p:cNvSpPr>
+              <p:nvPr/>
+            </p:nvSpPr>
+            <p:spPr>
+              <a:xfrm>
+                <a:off x="4175055" y="3997703"/>
+                <a:ext cx="352980" cy="369332"/>
+              </a:xfrm>
+              <a:prstGeom prst="rect">
+                <a:avLst/>
+              </a:prstGeom>
+              <a:blipFill>
+                <a:blip r:embed="rId9"/>
+                <a:stretch>
+                  <a:fillRect/>
+                </a:stretch>
+              </a:blipFill>
+            </p:spPr>
+            <p:txBody>
+              <a:bodyPr/>
+              <a:lstStyle/>
+              <a:p>
+                <a:r>
+                  <a:rPr lang="en-GB">
+                    <a:noFill/>
+                  </a:rPr>
+                  <a:t> </a:t>
+                </a:r>
+              </a:p>
+            </p:txBody>
+          </p:sp>
+        </mc:Fallback>
+      </mc:AlternateContent>
+      <mc:AlternateContent xmlns:mc="http://schemas.openxmlformats.org/markup-compatibility/2006" xmlns:a14="http://schemas.microsoft.com/office/drawing/2010/main">
+        <mc:Choice Requires="a14">
+          <p:sp>
+            <p:nvSpPr>
+              <p:cNvPr id="23" name="TextBox 22">
+                <a:extLst>
+                  <a:ext uri="{FF2B5EF4-FFF2-40B4-BE49-F238E27FC236}">
+                    <a16:creationId xmlns:a16="http://schemas.microsoft.com/office/drawing/2014/main" id="{B9B4AD76-DC7A-7CD1-6CE1-C630F3911F11}"/>
+                  </a:ext>
+                </a:extLst>
+              </p:cNvPr>
+              <p:cNvSpPr txBox="1"/>
+              <p:nvPr/>
+            </p:nvSpPr>
+            <p:spPr>
+              <a:xfrm>
+                <a:off x="8158371" y="3981345"/>
+                <a:ext cx="352980" cy="369332"/>
+              </a:xfrm>
+              <a:prstGeom prst="rect">
+                <a:avLst/>
+              </a:prstGeom>
+              <a:solidFill>
+                <a:schemeClr val="bg1"/>
+              </a:solidFill>
+            </p:spPr>
+            <p:txBody>
+              <a:bodyPr wrap="square">
+                <a:spAutoFit/>
+              </a:bodyPr>
+              <a:lstStyle/>
+              <a:p>
+                <a:pPr/>
+                <a14:m>
+                  <m:oMathPara xmlns:m="http://schemas.openxmlformats.org/officeDocument/2006/math">
+                    <m:oMathParaPr>
+                      <m:jc m:val="centerGroup"/>
+                    </m:oMathParaPr>
+                    <m:oMath xmlns:m="http://schemas.openxmlformats.org/officeDocument/2006/math">
+                      <m:sSub>
+                        <m:sSubPr>
+                          <m:ctrlPr>
+                            <a:rPr lang="it-IT" b="0" i="1" smtClean="0">
+                              <a:latin typeface="Cambria Math" panose="02040503050406030204" pitchFamily="18" charset="0"/>
+                            </a:rPr>
+                          </m:ctrlPr>
+                        </m:sSubPr>
+                        <m:e>
+                          <m:r>
+                            <a:rPr lang="it-IT" b="0" i="1" smtClean="0">
+                              <a:latin typeface="Cambria Math" panose="02040503050406030204" pitchFamily="18" charset="0"/>
+                            </a:rPr>
+                            <m:t>𝑛</m:t>
+                          </m:r>
+                        </m:e>
+                        <m:sub>
+                          <m:r>
+                            <a:rPr lang="it-IT" b="0" i="1" smtClean="0">
+                              <a:latin typeface="Cambria Math" panose="02040503050406030204" pitchFamily="18" charset="0"/>
+                            </a:rPr>
+                            <m:t>𝑠</m:t>
+                          </m:r>
+                        </m:sub>
+                      </m:sSub>
+                    </m:oMath>
+                  </m:oMathPara>
+                </a14:m>
+                <a:endParaRPr lang="en-GB" dirty="0"/>
+              </a:p>
+            </p:txBody>
+          </p:sp>
+        </mc:Choice>
+        <mc:Fallback xmlns="">
+          <p:sp>
+            <p:nvSpPr>
+              <p:cNvPr id="23" name="TextBox 22">
+                <a:extLst>
+                  <a:ext uri="{FF2B5EF4-FFF2-40B4-BE49-F238E27FC236}">
+                    <a16:creationId xmlns:a16="http://schemas.microsoft.com/office/drawing/2014/main" id="{B9B4AD76-DC7A-7CD1-6CE1-C630F3911F11}"/>
+                  </a:ext>
+                </a:extLst>
+              </p:cNvPr>
+              <p:cNvSpPr txBox="1">
+                <a:spLocks noRot="1" noChangeAspect="1" noMove="1" noResize="1" noEditPoints="1" noAdjustHandles="1" noChangeArrowheads="1" noChangeShapeType="1" noTextEdit="1"/>
+              </p:cNvSpPr>
+              <p:nvPr/>
+            </p:nvSpPr>
+            <p:spPr>
+              <a:xfrm>
+                <a:off x="8158371" y="3981345"/>
+                <a:ext cx="352980" cy="369332"/>
+              </a:xfrm>
+              <a:prstGeom prst="rect">
+                <a:avLst/>
+              </a:prstGeom>
+              <a:blipFill>
+                <a:blip r:embed="rId10"/>
+                <a:stretch>
+                  <a:fillRect r="-1724"/>
+                </a:stretch>
+              </a:blipFill>
+            </p:spPr>
+            <p:txBody>
+              <a:bodyPr/>
+              <a:lstStyle/>
+              <a:p>
+                <a:r>
+                  <a:rPr lang="en-GB">
+                    <a:noFill/>
+                  </a:rPr>
+                  <a:t> </a:t>
+                </a:r>
+              </a:p>
+            </p:txBody>
+          </p:sp>
+        </mc:Fallback>
+      </mc:AlternateContent>
+      <mc:AlternateContent xmlns:mc="http://schemas.openxmlformats.org/markup-compatibility/2006" xmlns:a14="http://schemas.microsoft.com/office/drawing/2010/main">
+        <mc:Choice Requires="a14">
+          <p:sp>
+            <p:nvSpPr>
+              <p:cNvPr id="24" name="TextBox 23">
+                <a:extLst>
+                  <a:ext uri="{FF2B5EF4-FFF2-40B4-BE49-F238E27FC236}">
+                    <a16:creationId xmlns:a16="http://schemas.microsoft.com/office/drawing/2014/main" id="{5FE1AF66-FD37-E3FC-D678-1B4159D0B117}"/>
+                  </a:ext>
+                </a:extLst>
+              </p:cNvPr>
+              <p:cNvSpPr txBox="1"/>
+              <p:nvPr/>
+            </p:nvSpPr>
+            <p:spPr>
+              <a:xfrm>
+                <a:off x="11127969" y="4038106"/>
+                <a:ext cx="352980" cy="369332"/>
+              </a:xfrm>
+              <a:prstGeom prst="rect">
+                <a:avLst/>
+              </a:prstGeom>
+              <a:solidFill>
+                <a:schemeClr val="bg1"/>
+              </a:solidFill>
+            </p:spPr>
+            <p:txBody>
+              <a:bodyPr wrap="square">
+                <a:spAutoFit/>
+              </a:bodyPr>
+              <a:lstStyle/>
+              <a:p>
+                <a:pPr/>
+                <a14:m>
+                  <m:oMathPara xmlns:m="http://schemas.openxmlformats.org/officeDocument/2006/math">
+                    <m:oMathParaPr>
+                      <m:jc m:val="centerGroup"/>
+                    </m:oMathParaPr>
+                    <m:oMath xmlns:m="http://schemas.openxmlformats.org/officeDocument/2006/math">
+                      <m:sSub>
+                        <m:sSubPr>
+                          <m:ctrlPr>
+                            <a:rPr lang="it-IT" b="0" i="1" smtClean="0">
+                              <a:latin typeface="Cambria Math" panose="02040503050406030204" pitchFamily="18" charset="0"/>
+                            </a:rPr>
+                          </m:ctrlPr>
+                        </m:sSubPr>
+                        <m:e>
+                          <m:r>
+                            <a:rPr lang="it-IT" b="0" i="1" smtClean="0">
+                              <a:latin typeface="Cambria Math" panose="02040503050406030204" pitchFamily="18" charset="0"/>
+                            </a:rPr>
+                            <m:t>𝑛</m:t>
+                          </m:r>
+                        </m:e>
+                        <m:sub>
+                          <m:r>
+                            <a:rPr lang="it-IT" b="0" i="1" smtClean="0">
+                              <a:latin typeface="Cambria Math" panose="02040503050406030204" pitchFamily="18" charset="0"/>
+                            </a:rPr>
+                            <m:t>𝑑</m:t>
+                          </m:r>
+                        </m:sub>
+                      </m:sSub>
+                    </m:oMath>
+                  </m:oMathPara>
+                </a14:m>
+                <a:endParaRPr lang="en-GB" dirty="0"/>
+              </a:p>
+            </p:txBody>
+          </p:sp>
+        </mc:Choice>
+        <mc:Fallback xmlns="">
+          <p:sp>
+            <p:nvSpPr>
+              <p:cNvPr id="24" name="TextBox 23">
+                <a:extLst>
+                  <a:ext uri="{FF2B5EF4-FFF2-40B4-BE49-F238E27FC236}">
+                    <a16:creationId xmlns:a16="http://schemas.microsoft.com/office/drawing/2014/main" id="{5FE1AF66-FD37-E3FC-D678-1B4159D0B117}"/>
+                  </a:ext>
+                </a:extLst>
+              </p:cNvPr>
+              <p:cNvSpPr txBox="1">
+                <a:spLocks noRot="1" noChangeAspect="1" noMove="1" noResize="1" noEditPoints="1" noAdjustHandles="1" noChangeArrowheads="1" noChangeShapeType="1" noTextEdit="1"/>
+              </p:cNvSpPr>
+              <p:nvPr/>
+            </p:nvSpPr>
+            <p:spPr>
+              <a:xfrm>
+                <a:off x="11127969" y="4038106"/>
+                <a:ext cx="352980" cy="369332"/>
+              </a:xfrm>
+              <a:prstGeom prst="rect">
+                <a:avLst/>
+              </a:prstGeom>
+              <a:blipFill>
+                <a:blip r:embed="rId11"/>
+                <a:stretch>
+                  <a:fillRect r="-12069" b="-1639"/>
+                </a:stretch>
+              </a:blipFill>
+            </p:spPr>
+            <p:txBody>
+              <a:bodyPr/>
+              <a:lstStyle/>
+              <a:p>
+                <a:r>
+                  <a:rPr lang="en-GB">
+                    <a:noFill/>
+                  </a:rPr>
+                  <a:t> </a:t>
+                </a:r>
+              </a:p>
+            </p:txBody>
+          </p:sp>
+        </mc:Fallback>
+      </mc:AlternateContent>
+    </p:spTree>
+    <p:extLst>
+      <p:ext uri="{BB962C8B-B14F-4D97-AF65-F5344CB8AC3E}">
+        <p14:creationId xmlns:p14="http://schemas.microsoft.com/office/powerpoint/2010/main" val="1560314050"/>
+      </p:ext>
+    </p:extLst>
+  </p:cSld>
+  <p:clrMapOvr>
+    <a:masterClrMapping/>
+  </p:clrMapOvr>
+</p:sld>
+</file>
+
+<file path=ppt/slides/slide18.xml><?xml version="1.0" encoding="utf-8"?>
 <p:sld xmlns:a="http://schemas.openxmlformats.org/drawingml/2006/main" xmlns:r="http://schemas.openxmlformats.org/officeDocument/2006/relationships" xmlns:p="http://schemas.openxmlformats.org/presentationml/2006/main">
   <p:cSld>
     <p:spTree>
@@ -6018,7 +8690,7 @@
           <a:p>
             <a:fld id="{CC057153-B650-4DEB-B370-79DDCFDCE934}" type="slidenum">
               <a:rPr lang="en-US" smtClean="0"/>
-              <a:t>15</a:t>
+              <a:t>17</a:t>
             </a:fld>
             <a:endParaRPr lang="en-US"/>
           </a:p>
@@ -6197,7 +8869,7 @@
 </p:sld>
 </file>
 
-<file path=ppt/slides/slide17.xml><?xml version="1.0" encoding="utf-8"?>
+<file path=ppt/slides/slide19.xml><?xml version="1.0" encoding="utf-8"?>
 <p:sld xmlns:a="http://schemas.openxmlformats.org/drawingml/2006/main" xmlns:r="http://schemas.openxmlformats.org/officeDocument/2006/relationships" xmlns:p="http://schemas.openxmlformats.org/presentationml/2006/main">
   <p:cSld>
     <p:spTree>
@@ -6301,7 +8973,15 @@
             <a:pPr lvl="2"/>
             <a:r>
               <a:rPr lang="en-US" sz="2400" dirty="0"/>
-              <a:t>If the solution is optimal, the algorithm stops</a:t>
+              <a:t>If the solution is optimal </a:t>
+            </a:r>
+            <a:r>
+              <a:rPr lang="en-US" sz="2400" dirty="0" err="1"/>
+              <a:t>w.r.t.</a:t>
+            </a:r>
+            <a:r>
+              <a:rPr lang="en-US" sz="2400" dirty="0"/>
+              <a:t> the SPP, the algorithm stops</a:t>
             </a:r>
           </a:p>
           <a:p>
@@ -6360,7 +9040,7 @@
           <a:p>
             <a:fld id="{CC057153-B650-4DEB-B370-79DDCFDCE934}" type="slidenum">
               <a:rPr lang="en-US" smtClean="0"/>
-              <a:t>16</a:t>
+              <a:t>18</a:t>
             </a:fld>
             <a:endParaRPr lang="en-US"/>
           </a:p>
@@ -6388,8 +9068,8 @@
         </p:blipFill>
         <p:spPr>
           <a:xfrm>
-            <a:off x="8299228" y="263237"/>
-            <a:ext cx="2352810" cy="5943600"/>
+            <a:off x="8199455" y="11193"/>
+            <a:ext cx="2452583" cy="6195644"/>
           </a:xfrm>
           <a:prstGeom prst="rect">
             <a:avLst/>
@@ -6523,7 +9203,7 @@
 </p:sld>
 </file>
 
-<file path=ppt/slides/slide18.xml><?xml version="1.0" encoding="utf-8"?>
+<file path=ppt/slides/slide2.xml><?xml version="1.0" encoding="utf-8"?>
 <p:sld xmlns:a="http://schemas.openxmlformats.org/drawingml/2006/main" xmlns:r="http://schemas.openxmlformats.org/officeDocument/2006/relationships" xmlns:p="http://schemas.openxmlformats.org/presentationml/2006/main">
   <p:cSld>
     <p:spTree>
@@ -6542,96 +9222,10 @@
       </p:grpSpPr>
       <p:sp>
         <p:nvSpPr>
-          <p:cNvPr id="2" name="Title 1">
-            <a:extLst>
-              <a:ext uri="{FF2B5EF4-FFF2-40B4-BE49-F238E27FC236}">
-                <a16:creationId xmlns:a16="http://schemas.microsoft.com/office/drawing/2014/main" id="{80208F1B-6C37-CED6-C414-AB74219A6E00}"/>
-              </a:ext>
-            </a:extLst>
-          </p:cNvPr>
-          <p:cNvSpPr>
-            <a:spLocks noGrp="1"/>
-          </p:cNvSpPr>
-          <p:nvPr>
-            <p:ph type="title"/>
-          </p:nvPr>
-        </p:nvSpPr>
-        <p:spPr/>
-        <p:txBody>
-          <a:bodyPr/>
-          <a:lstStyle/>
-          <a:p>
-            <a:r>
-              <a:rPr lang="en-GB" dirty="0"/>
-              <a:t>Reduced ILP Algorithm</a:t>
-            </a:r>
-          </a:p>
-        </p:txBody>
-      </p:sp>
-      <p:pic>
-        <p:nvPicPr>
-          <p:cNvPr id="6" name="Content Placeholder 5" descr="A screenshot of a computer&#10;&#10;AI-generated content may be incorrect.">
-            <a:extLst>
-              <a:ext uri="{FF2B5EF4-FFF2-40B4-BE49-F238E27FC236}">
-                <a16:creationId xmlns:a16="http://schemas.microsoft.com/office/drawing/2014/main" id="{64AB651E-CA32-C79B-E8FD-153226FEC58F}"/>
-              </a:ext>
-            </a:extLst>
-          </p:cNvPr>
-          <p:cNvPicPr>
-            <a:picLocks noGrp="1" noChangeAspect="1"/>
-          </p:cNvPicPr>
-          <p:nvPr>
-            <p:ph idx="1"/>
-          </p:nvPr>
-        </p:nvPicPr>
-        <p:blipFill>
-          <a:blip r:embed="rId2"/>
-          <a:stretch>
-            <a:fillRect/>
-          </a:stretch>
-        </p:blipFill>
-        <p:spPr>
-          <a:xfrm>
-            <a:off x="1218451" y="1229110"/>
-            <a:ext cx="9441972" cy="4997120"/>
-          </a:xfrm>
-        </p:spPr>
-      </p:pic>
-      <p:sp>
-        <p:nvSpPr>
-          <p:cNvPr id="4" name="Slide Number Placeholder 3">
-            <a:extLst>
-              <a:ext uri="{FF2B5EF4-FFF2-40B4-BE49-F238E27FC236}">
-                <a16:creationId xmlns:a16="http://schemas.microsoft.com/office/drawing/2014/main" id="{B4CF5D95-B0A8-16D1-37E7-41A90E331297}"/>
-              </a:ext>
-            </a:extLst>
-          </p:cNvPr>
-          <p:cNvSpPr>
-            <a:spLocks noGrp="1"/>
-          </p:cNvSpPr>
-          <p:nvPr>
-            <p:ph type="sldNum" sz="quarter" idx="12"/>
-          </p:nvPr>
-        </p:nvSpPr>
-        <p:spPr/>
-        <p:txBody>
-          <a:bodyPr/>
-          <a:lstStyle/>
-          <a:p>
-            <a:fld id="{CC057153-B650-4DEB-B370-79DDCFDCE934}" type="slidenum">
-              <a:rPr lang="en-US" smtClean="0"/>
-              <a:t>17</a:t>
-            </a:fld>
-            <a:endParaRPr lang="en-US"/>
-          </a:p>
-        </p:txBody>
-      </p:sp>
-      <p:sp>
-        <p:nvSpPr>
           <p:cNvPr id="7" name="Rectangle 6">
             <a:extLst>
               <a:ext uri="{FF2B5EF4-FFF2-40B4-BE49-F238E27FC236}">
-                <a16:creationId xmlns:a16="http://schemas.microsoft.com/office/drawing/2014/main" id="{E88F7F71-95A5-1BA6-C2CE-CF5AB9217B97}"/>
+                <a16:creationId xmlns:a16="http://schemas.microsoft.com/office/drawing/2014/main" id="{812C6B54-0340-2DA5-DDF9-C7F1FC02A20B}"/>
               </a:ext>
             </a:extLst>
           </p:cNvPr>
@@ -6678,22 +9272,7 @@
             <a:pPr algn="ctr"/>
             <a:r>
               <a:rPr lang="en-GB" dirty="0"/>
-              <a:t>		</a:t>
-            </a:r>
-            <a:r>
-              <a:rPr lang="en-GB" dirty="0">
-                <a:solidFill>
-                  <a:schemeClr val="tx1">
-                    <a:lumMod val="50000"/>
-                    <a:lumOff val="50000"/>
-                  </a:schemeClr>
-                </a:solidFill>
-              </a:rPr>
-              <a:t>Overview</a:t>
-            </a:r>
-            <a:r>
-              <a:rPr lang="en-GB" dirty="0"/>
-              <a:t>			</a:t>
+              <a:t>		Overview			</a:t>
             </a:r>
             <a:r>
               <a:rPr lang="en-GB" dirty="0">
@@ -6713,7 +9292,10 @@
             <a:r>
               <a:rPr lang="en-GB" dirty="0">
                 <a:solidFill>
-                  <a:schemeClr val="bg1"/>
+                  <a:schemeClr val="tx1">
+                    <a:lumMod val="50000"/>
+                    <a:lumOff val="50000"/>
+                  </a:schemeClr>
                 </a:solidFill>
               </a:rPr>
               <a:t>Proposed Algorithms</a:t>
@@ -6740,10 +9322,143 @@
           </a:p>
         </p:txBody>
       </p:sp>
+      <p:sp>
+        <p:nvSpPr>
+          <p:cNvPr id="2" name="Title 1">
+            <a:extLst>
+              <a:ext uri="{FF2B5EF4-FFF2-40B4-BE49-F238E27FC236}">
+                <a16:creationId xmlns:a16="http://schemas.microsoft.com/office/drawing/2014/main" id="{FC91A383-24AB-9119-9BF2-B29F56500BDB}"/>
+              </a:ext>
+            </a:extLst>
+          </p:cNvPr>
+          <p:cNvSpPr>
+            <a:spLocks noGrp="1"/>
+          </p:cNvSpPr>
+          <p:nvPr>
+            <p:ph type="title"/>
+          </p:nvPr>
+        </p:nvSpPr>
+        <p:spPr/>
+        <p:txBody>
+          <a:bodyPr>
+            <a:normAutofit/>
+          </a:bodyPr>
+          <a:lstStyle/>
+          <a:p>
+            <a:r>
+              <a:rPr lang="en-GB" noProof="0" dirty="0"/>
+              <a:t>k-Colour Shortest Path Problem (k-CSPP)</a:t>
+            </a:r>
+          </a:p>
+        </p:txBody>
+      </p:sp>
+      <p:sp>
+        <p:nvSpPr>
+          <p:cNvPr id="3" name="Content Placeholder 2">
+            <a:extLst>
+              <a:ext uri="{FF2B5EF4-FFF2-40B4-BE49-F238E27FC236}">
+                <a16:creationId xmlns:a16="http://schemas.microsoft.com/office/drawing/2014/main" id="{DFB5FA58-73D4-2D71-176C-4583F17A0D29}"/>
+              </a:ext>
+            </a:extLst>
+          </p:cNvPr>
+          <p:cNvSpPr>
+            <a:spLocks noGrp="1"/>
+          </p:cNvSpPr>
+          <p:nvPr>
+            <p:ph idx="1"/>
+          </p:nvPr>
+        </p:nvSpPr>
+        <p:spPr/>
+        <p:txBody>
+          <a:bodyPr>
+            <a:normAutofit/>
+          </a:bodyPr>
+          <a:lstStyle/>
+          <a:p>
+            <a:r>
+              <a:rPr lang="en-GB" sz="2400" noProof="0" dirty="0"/>
+              <a:t>The k-Colour Shortest Path Problem is a variant of the classic Shortest Path Problem</a:t>
+            </a:r>
+          </a:p>
+          <a:p>
+            <a:r>
+              <a:rPr lang="en-GB" sz="2400" noProof="0" dirty="0"/>
+              <a:t>This problem consists </a:t>
+            </a:r>
+            <a:r>
+              <a:rPr lang="en-GB" sz="2400" dirty="0"/>
+              <a:t>of</a:t>
+            </a:r>
+            <a:r>
+              <a:rPr lang="en-GB" sz="2400" noProof="0" dirty="0"/>
+              <a:t> finding </a:t>
+            </a:r>
+            <a:r>
+              <a:rPr lang="en-GB" sz="2400" dirty="0"/>
+              <a:t>a</a:t>
+            </a:r>
+            <a:r>
+              <a:rPr lang="en-GB" sz="2400" noProof="0" dirty="0"/>
+              <a:t> </a:t>
+            </a:r>
+            <a:r>
+              <a:rPr lang="en-GB" sz="2400" b="1" noProof="0" dirty="0"/>
+              <a:t>shortest path </a:t>
+            </a:r>
+            <a:r>
+              <a:rPr lang="en-GB" sz="2400" noProof="0" dirty="0"/>
+              <a:t>on a weighted edge-coloured graph, where the </a:t>
+            </a:r>
+            <a:r>
+              <a:rPr lang="en-GB" sz="2400" b="1" noProof="0" dirty="0"/>
+              <a:t>maximum number of different colours</a:t>
+            </a:r>
+            <a:r>
+              <a:rPr lang="en-GB" sz="2400" noProof="0" dirty="0"/>
+              <a:t> used in a feasible solution is fixed to be 𝑘</a:t>
+            </a:r>
+          </a:p>
+          <a:p>
+            <a:r>
+              <a:rPr lang="en-GB" sz="2400" noProof="0" dirty="0"/>
+              <a:t>Applications: Network reliability</a:t>
+            </a:r>
+          </a:p>
+        </p:txBody>
+      </p:sp>
+      <p:sp>
+        <p:nvSpPr>
+          <p:cNvPr id="4" name="Slide Number Placeholder 3">
+            <a:extLst>
+              <a:ext uri="{FF2B5EF4-FFF2-40B4-BE49-F238E27FC236}">
+                <a16:creationId xmlns:a16="http://schemas.microsoft.com/office/drawing/2014/main" id="{55306510-D20A-4AE8-BABF-997E53CBF139}"/>
+              </a:ext>
+            </a:extLst>
+          </p:cNvPr>
+          <p:cNvSpPr>
+            <a:spLocks noGrp="1"/>
+          </p:cNvSpPr>
+          <p:nvPr>
+            <p:ph type="sldNum" sz="quarter" idx="12"/>
+          </p:nvPr>
+        </p:nvSpPr>
+        <p:spPr/>
+        <p:txBody>
+          <a:bodyPr/>
+          <a:lstStyle/>
+          <a:p>
+            <a:fld id="{CC057153-B650-4DEB-B370-79DDCFDCE934}" type="slidenum">
+              <a:rPr lang="en-US" smtClean="0"/>
+              <a:t>1</a:t>
+            </a:fld>
+            <a:endParaRPr lang="en-US"/>
+          </a:p>
+        </p:txBody>
+      </p:sp>
     </p:spTree>
     <p:extLst>
       <p:ext uri="{BB962C8B-B14F-4D97-AF65-F5344CB8AC3E}">
-        <p14:creationId xmlns:p14="http://schemas.microsoft.com/office/powerpoint/2010/main" val="1442099365"/>
+        <p14:creationId xmlns:p14="http://schemas.microsoft.com/office/powerpoint/2010/main" val="2032342331"/>
       </p:ext>
     </p:extLst>
   </p:cSld>
@@ -6753,7 +9468,7 @@
 </p:sld>
 </file>
 
-<file path=ppt/slides/slide19.xml><?xml version="1.0" encoding="utf-8"?>
+<file path=ppt/slides/slide20.xml><?xml version="1.0" encoding="utf-8"?>
 <p:sld xmlns:a="http://schemas.openxmlformats.org/drawingml/2006/main" xmlns:r="http://schemas.openxmlformats.org/officeDocument/2006/relationships" xmlns:p="http://schemas.openxmlformats.org/presentationml/2006/main">
   <p:cSld>
     <p:spTree>
@@ -6885,7 +9600,7 @@
           <a:p>
             <a:fld id="{CC057153-B650-4DEB-B370-79DDCFDCE934}" type="slidenum">
               <a:rPr lang="en-US" smtClean="0"/>
-              <a:t>18</a:t>
+              <a:t>19</a:t>
             </a:fld>
             <a:endParaRPr lang="en-US"/>
           </a:p>
@@ -7408,383 +10123,6 @@
 </p:sld>
 </file>
 
-<file path=ppt/slides/slide2.xml><?xml version="1.0" encoding="utf-8"?>
-<p:sld xmlns:a="http://schemas.openxmlformats.org/drawingml/2006/main" xmlns:r="http://schemas.openxmlformats.org/officeDocument/2006/relationships" xmlns:p="http://schemas.openxmlformats.org/presentationml/2006/main">
-  <p:cSld>
-    <p:spTree>
-      <p:nvGrpSpPr>
-        <p:cNvPr id="1" name=""/>
-        <p:cNvGrpSpPr/>
-        <p:nvPr/>
-      </p:nvGrpSpPr>
-      <p:grpSpPr>
-        <a:xfrm>
-          <a:off x="0" y="0"/>
-          <a:ext cx="0" cy="0"/>
-          <a:chOff x="0" y="0"/>
-          <a:chExt cx="0" cy="0"/>
-        </a:xfrm>
-      </p:grpSpPr>
-      <p:sp>
-        <p:nvSpPr>
-          <p:cNvPr id="7" name="Rectangle 6">
-            <a:extLst>
-              <a:ext uri="{FF2B5EF4-FFF2-40B4-BE49-F238E27FC236}">
-                <a16:creationId xmlns:a16="http://schemas.microsoft.com/office/drawing/2014/main" id="{812C6B54-0340-2DA5-DDF9-C7F1FC02A20B}"/>
-              </a:ext>
-            </a:extLst>
-          </p:cNvPr>
-          <p:cNvSpPr/>
-          <p:nvPr/>
-        </p:nvSpPr>
-        <p:spPr>
-          <a:xfrm>
-            <a:off x="0" y="6309360"/>
-            <a:ext cx="12192000" cy="548640"/>
-          </a:xfrm>
-          <a:prstGeom prst="rect">
-            <a:avLst/>
-          </a:prstGeom>
-          <a:solidFill>
-            <a:srgbClr val="002060"/>
-          </a:solidFill>
-          <a:ln>
-            <a:solidFill>
-              <a:srgbClr val="0070C0"/>
-            </a:solidFill>
-          </a:ln>
-        </p:spPr>
-        <p:style>
-          <a:lnRef idx="2">
-            <a:schemeClr val="accent1">
-              <a:shade val="15000"/>
-            </a:schemeClr>
-          </a:lnRef>
-          <a:fillRef idx="1">
-            <a:schemeClr val="accent1"/>
-          </a:fillRef>
-          <a:effectRef idx="0">
-            <a:schemeClr val="accent1"/>
-          </a:effectRef>
-          <a:fontRef idx="minor">
-            <a:schemeClr val="lt1"/>
-          </a:fontRef>
-        </p:style>
-        <p:txBody>
-          <a:bodyPr rtlCol="0" anchor="ctr"/>
-          <a:lstStyle/>
-          <a:p>
-            <a:pPr algn="ctr"/>
-            <a:r>
-              <a:rPr lang="en-GB" dirty="0"/>
-              <a:t>		Overview			</a:t>
-            </a:r>
-            <a:r>
-              <a:rPr lang="en-GB" dirty="0">
-                <a:solidFill>
-                  <a:schemeClr val="tx1">
-                    <a:lumMod val="50000"/>
-                    <a:lumOff val="50000"/>
-                  </a:schemeClr>
-                </a:solidFill>
-              </a:rPr>
-              <a:t>Formulation</a:t>
-            </a:r>
-            <a:r>
-              <a:rPr lang="en-GB" dirty="0"/>
-              <a:t>			</a:t>
-            </a:r>
-            <a:r>
-              <a:rPr lang="en-GB" dirty="0">
-                <a:solidFill>
-                  <a:schemeClr val="tx1">
-                    <a:lumMod val="50000"/>
-                    <a:lumOff val="50000"/>
-                  </a:schemeClr>
-                </a:solidFill>
-              </a:rPr>
-              <a:t>Proposed Algorithms</a:t>
-            </a:r>
-            <a:r>
-              <a:rPr lang="en-GB" dirty="0"/>
-              <a:t>			</a:t>
-            </a:r>
-            <a:r>
-              <a:rPr lang="en-GB" dirty="0">
-                <a:solidFill>
-                  <a:schemeClr val="tx1">
-                    <a:lumMod val="50000"/>
-                    <a:lumOff val="50000"/>
-                  </a:schemeClr>
-                </a:solidFill>
-              </a:rPr>
-              <a:t>Results</a:t>
-            </a:r>
-            <a:r>
-              <a:rPr lang="en-GB" dirty="0"/>
-              <a:t>				</a:t>
-            </a:r>
-          </a:p>
-        </p:txBody>
-      </p:sp>
-      <p:sp>
-        <p:nvSpPr>
-          <p:cNvPr id="2" name="Title 1">
-            <a:extLst>
-              <a:ext uri="{FF2B5EF4-FFF2-40B4-BE49-F238E27FC236}">
-                <a16:creationId xmlns:a16="http://schemas.microsoft.com/office/drawing/2014/main" id="{FC91A383-24AB-9119-9BF2-B29F56500BDB}"/>
-              </a:ext>
-            </a:extLst>
-          </p:cNvPr>
-          <p:cNvSpPr>
-            <a:spLocks noGrp="1"/>
-          </p:cNvSpPr>
-          <p:nvPr>
-            <p:ph type="title"/>
-          </p:nvPr>
-        </p:nvSpPr>
-        <p:spPr/>
-        <p:txBody>
-          <a:bodyPr>
-            <a:normAutofit/>
-          </a:bodyPr>
-          <a:lstStyle/>
-          <a:p>
-            <a:r>
-              <a:rPr lang="en-GB" noProof="0" dirty="0"/>
-              <a:t>k-Colour Shortest Path Problem (k-CSPP)</a:t>
-            </a:r>
-          </a:p>
-        </p:txBody>
-      </p:sp>
-      <p:sp>
-        <p:nvSpPr>
-          <p:cNvPr id="3" name="Content Placeholder 2">
-            <a:extLst>
-              <a:ext uri="{FF2B5EF4-FFF2-40B4-BE49-F238E27FC236}">
-                <a16:creationId xmlns:a16="http://schemas.microsoft.com/office/drawing/2014/main" id="{DFB5FA58-73D4-2D71-176C-4583F17A0D29}"/>
-              </a:ext>
-            </a:extLst>
-          </p:cNvPr>
-          <p:cNvSpPr>
-            <a:spLocks noGrp="1"/>
-          </p:cNvSpPr>
-          <p:nvPr>
-            <p:ph idx="1"/>
-          </p:nvPr>
-        </p:nvSpPr>
-        <p:spPr/>
-        <p:txBody>
-          <a:bodyPr>
-            <a:normAutofit/>
-          </a:bodyPr>
-          <a:lstStyle/>
-          <a:p>
-            <a:r>
-              <a:rPr lang="en-GB" sz="2400" noProof="0" dirty="0"/>
-              <a:t>The k-Colour Shortest Path Problem is a variant of the classic Shortest Path Problem</a:t>
-            </a:r>
-          </a:p>
-          <a:p>
-            <a:r>
-              <a:rPr lang="en-GB" sz="2400" noProof="0" dirty="0"/>
-              <a:t>This problem consists </a:t>
-            </a:r>
-            <a:r>
-              <a:rPr lang="en-GB" sz="2400" dirty="0"/>
-              <a:t>of</a:t>
-            </a:r>
-            <a:r>
-              <a:rPr lang="en-GB" sz="2400" noProof="0" dirty="0"/>
-              <a:t> finding </a:t>
-            </a:r>
-            <a:r>
-              <a:rPr lang="en-GB" sz="2400" dirty="0"/>
-              <a:t>a</a:t>
-            </a:r>
-            <a:r>
-              <a:rPr lang="en-GB" sz="2400" noProof="0" dirty="0"/>
-              <a:t> </a:t>
-            </a:r>
-            <a:r>
-              <a:rPr lang="en-GB" sz="2400" b="1" noProof="0" dirty="0"/>
-              <a:t>shortest path </a:t>
-            </a:r>
-            <a:r>
-              <a:rPr lang="en-GB" sz="2400" noProof="0" dirty="0"/>
-              <a:t>on a weighted edge-coloured graph, where the </a:t>
-            </a:r>
-            <a:r>
-              <a:rPr lang="en-GB" sz="2400" b="1" noProof="0" dirty="0"/>
-              <a:t>maximum number of different colours</a:t>
-            </a:r>
-            <a:r>
-              <a:rPr lang="en-GB" sz="2400" noProof="0" dirty="0"/>
-              <a:t> used in a feasible solution is fixed to be 𝑘</a:t>
-            </a:r>
-          </a:p>
-          <a:p>
-            <a:r>
-              <a:rPr lang="en-GB" sz="2400" noProof="0" dirty="0"/>
-              <a:t>Applications: Network reliability</a:t>
-            </a:r>
-          </a:p>
-        </p:txBody>
-      </p:sp>
-      <p:sp>
-        <p:nvSpPr>
-          <p:cNvPr id="4" name="Slide Number Placeholder 3">
-            <a:extLst>
-              <a:ext uri="{FF2B5EF4-FFF2-40B4-BE49-F238E27FC236}">
-                <a16:creationId xmlns:a16="http://schemas.microsoft.com/office/drawing/2014/main" id="{55306510-D20A-4AE8-BABF-997E53CBF139}"/>
-              </a:ext>
-            </a:extLst>
-          </p:cNvPr>
-          <p:cNvSpPr>
-            <a:spLocks noGrp="1"/>
-          </p:cNvSpPr>
-          <p:nvPr>
-            <p:ph type="sldNum" sz="quarter" idx="12"/>
-          </p:nvPr>
-        </p:nvSpPr>
-        <p:spPr/>
-        <p:txBody>
-          <a:bodyPr/>
-          <a:lstStyle/>
-          <a:p>
-            <a:fld id="{CC057153-B650-4DEB-B370-79DDCFDCE934}" type="slidenum">
-              <a:rPr lang="en-US" smtClean="0"/>
-              <a:t>1</a:t>
-            </a:fld>
-            <a:endParaRPr lang="en-US"/>
-          </a:p>
-        </p:txBody>
-      </p:sp>
-    </p:spTree>
-    <p:extLst>
-      <p:ext uri="{BB962C8B-B14F-4D97-AF65-F5344CB8AC3E}">
-        <p14:creationId xmlns:p14="http://schemas.microsoft.com/office/powerpoint/2010/main" val="2032342331"/>
-      </p:ext>
-    </p:extLst>
-  </p:cSld>
-  <p:clrMapOvr>
-    <a:masterClrMapping/>
-  </p:clrMapOvr>
-</p:sld>
-</file>
-
-<file path=ppt/slides/slide20.xml><?xml version="1.0" encoding="utf-8"?>
-<p:sld xmlns:a="http://schemas.openxmlformats.org/drawingml/2006/main" xmlns:r="http://schemas.openxmlformats.org/officeDocument/2006/relationships" xmlns:p="http://schemas.openxmlformats.org/presentationml/2006/main">
-  <p:cSld>
-    <p:spTree>
-      <p:nvGrpSpPr>
-        <p:cNvPr id="1" name=""/>
-        <p:cNvGrpSpPr/>
-        <p:nvPr/>
-      </p:nvGrpSpPr>
-      <p:grpSpPr>
-        <a:xfrm>
-          <a:off x="0" y="0"/>
-          <a:ext cx="0" cy="0"/>
-          <a:chOff x="0" y="0"/>
-          <a:chExt cx="0" cy="0"/>
-        </a:xfrm>
-      </p:grpSpPr>
-      <p:sp>
-        <p:nvSpPr>
-          <p:cNvPr id="2" name="Title 1">
-            <a:extLst>
-              <a:ext uri="{FF2B5EF4-FFF2-40B4-BE49-F238E27FC236}">
-                <a16:creationId xmlns:a16="http://schemas.microsoft.com/office/drawing/2014/main" id="{87DCBC29-2FA3-1BB5-1FF2-4FA0A91142A6}"/>
-              </a:ext>
-            </a:extLst>
-          </p:cNvPr>
-          <p:cNvSpPr>
-            <a:spLocks noGrp="1"/>
-          </p:cNvSpPr>
-          <p:nvPr>
-            <p:ph type="title"/>
-          </p:nvPr>
-        </p:nvSpPr>
-        <p:spPr/>
-        <p:txBody>
-          <a:bodyPr/>
-          <a:lstStyle/>
-          <a:p>
-            <a:r>
-              <a:rPr lang="en-GB" dirty="0"/>
-              <a:t>Experiments - Instances</a:t>
-            </a:r>
-          </a:p>
-        </p:txBody>
-      </p:sp>
-      <p:sp>
-        <p:nvSpPr>
-          <p:cNvPr id="3" name="Content Placeholder 2">
-            <a:extLst>
-              <a:ext uri="{FF2B5EF4-FFF2-40B4-BE49-F238E27FC236}">
-                <a16:creationId xmlns:a16="http://schemas.microsoft.com/office/drawing/2014/main" id="{34098AC6-59F4-5531-FF2D-81769AFEEF9D}"/>
-              </a:ext>
-            </a:extLst>
-          </p:cNvPr>
-          <p:cNvSpPr>
-            <a:spLocks noGrp="1"/>
-          </p:cNvSpPr>
-          <p:nvPr>
-            <p:ph idx="1"/>
-          </p:nvPr>
-        </p:nvSpPr>
-        <p:spPr/>
-        <p:txBody>
-          <a:bodyPr/>
-          <a:lstStyle/>
-          <a:p>
-            <a:endParaRPr lang="en-GB" dirty="0"/>
-          </a:p>
-        </p:txBody>
-      </p:sp>
-      <p:sp>
-        <p:nvSpPr>
-          <p:cNvPr id="4" name="Slide Number Placeholder 3">
-            <a:extLst>
-              <a:ext uri="{FF2B5EF4-FFF2-40B4-BE49-F238E27FC236}">
-                <a16:creationId xmlns:a16="http://schemas.microsoft.com/office/drawing/2014/main" id="{C9CB9093-8D7B-901C-C2DA-15E443FFC221}"/>
-              </a:ext>
-            </a:extLst>
-          </p:cNvPr>
-          <p:cNvSpPr>
-            <a:spLocks noGrp="1"/>
-          </p:cNvSpPr>
-          <p:nvPr>
-            <p:ph type="sldNum" sz="quarter" idx="12"/>
-          </p:nvPr>
-        </p:nvSpPr>
-        <p:spPr/>
-        <p:txBody>
-          <a:bodyPr/>
-          <a:lstStyle/>
-          <a:p>
-            <a:fld id="{CC057153-B650-4DEB-B370-79DDCFDCE934}" type="slidenum">
-              <a:rPr lang="en-US" smtClean="0"/>
-              <a:t>19</a:t>
-            </a:fld>
-            <a:endParaRPr lang="en-US"/>
-          </a:p>
-        </p:txBody>
-      </p:sp>
-    </p:spTree>
-    <p:extLst>
-      <p:ext uri="{BB962C8B-B14F-4D97-AF65-F5344CB8AC3E}">
-        <p14:creationId xmlns:p14="http://schemas.microsoft.com/office/powerpoint/2010/main" val="2713622671"/>
-      </p:ext>
-    </p:extLst>
-  </p:cSld>
-  <p:clrMapOvr>
-    <a:masterClrMapping/>
-  </p:clrMapOvr>
-</p:sld>
-</file>
-
 <file path=ppt/slides/slide21.xml><?xml version="1.0" encoding="utf-8"?>
 <p:sld xmlns:a="http://schemas.openxmlformats.org/drawingml/2006/main" xmlns:r="http://schemas.openxmlformats.org/officeDocument/2006/relationships" xmlns:p="http://schemas.openxmlformats.org/presentationml/2006/main">
   <p:cSld>
@@ -7807,7 +10145,7 @@
           <p:cNvPr id="2" name="Title 1">
             <a:extLst>
               <a:ext uri="{FF2B5EF4-FFF2-40B4-BE49-F238E27FC236}">
-                <a16:creationId xmlns:a16="http://schemas.microsoft.com/office/drawing/2014/main" id="{42191BD5-7D45-7078-2D87-F8D19D7AEE86}"/>
+                <a16:creationId xmlns:a16="http://schemas.microsoft.com/office/drawing/2014/main" id="{87DCBC29-2FA3-1BB5-1FF2-4FA0A91142A6}"/>
               </a:ext>
             </a:extLst>
           </p:cNvPr>
@@ -7823,7 +10161,10 @@
           <a:bodyPr/>
           <a:lstStyle/>
           <a:p>
-            <a:endParaRPr lang="en-GB"/>
+            <a:r>
+              <a:rPr lang="en-GB" dirty="0"/>
+              <a:t>Experiments - Instances</a:t>
+            </a:r>
           </a:p>
         </p:txBody>
       </p:sp>
@@ -7832,7 +10173,7 @@
           <p:cNvPr id="3" name="Content Placeholder 2">
             <a:extLst>
               <a:ext uri="{FF2B5EF4-FFF2-40B4-BE49-F238E27FC236}">
-                <a16:creationId xmlns:a16="http://schemas.microsoft.com/office/drawing/2014/main" id="{4B66CF9E-D47C-BB33-1E42-21029B9DF05A}"/>
+                <a16:creationId xmlns:a16="http://schemas.microsoft.com/office/drawing/2014/main" id="{34098AC6-59F4-5531-FF2D-81769AFEEF9D}"/>
               </a:ext>
             </a:extLst>
           </p:cNvPr>
@@ -7848,7 +10189,7 @@
           <a:bodyPr/>
           <a:lstStyle/>
           <a:p>
-            <a:endParaRPr lang="en-GB"/>
+            <a:endParaRPr lang="en-GB" dirty="0"/>
           </a:p>
         </p:txBody>
       </p:sp>
@@ -7857,7 +10198,7 @@
           <p:cNvPr id="4" name="Slide Number Placeholder 3">
             <a:extLst>
               <a:ext uri="{FF2B5EF4-FFF2-40B4-BE49-F238E27FC236}">
-                <a16:creationId xmlns:a16="http://schemas.microsoft.com/office/drawing/2014/main" id="{E568D93D-5BA5-4348-2031-5127746D773E}"/>
+                <a16:creationId xmlns:a16="http://schemas.microsoft.com/office/drawing/2014/main" id="{C9CB9093-8D7B-901C-C2DA-15E443FFC221}"/>
               </a:ext>
             </a:extLst>
           </p:cNvPr>
@@ -7876,6 +10217,115 @@
             <a:fld id="{CC057153-B650-4DEB-B370-79DDCFDCE934}" type="slidenum">
               <a:rPr lang="en-US" smtClean="0"/>
               <a:t>20</a:t>
+            </a:fld>
+            <a:endParaRPr lang="en-US"/>
+          </a:p>
+        </p:txBody>
+      </p:sp>
+    </p:spTree>
+    <p:extLst>
+      <p:ext uri="{BB962C8B-B14F-4D97-AF65-F5344CB8AC3E}">
+        <p14:creationId xmlns:p14="http://schemas.microsoft.com/office/powerpoint/2010/main" val="2713622671"/>
+      </p:ext>
+    </p:extLst>
+  </p:cSld>
+  <p:clrMapOvr>
+    <a:masterClrMapping/>
+  </p:clrMapOvr>
+</p:sld>
+</file>
+
+<file path=ppt/slides/slide22.xml><?xml version="1.0" encoding="utf-8"?>
+<p:sld xmlns:a="http://schemas.openxmlformats.org/drawingml/2006/main" xmlns:r="http://schemas.openxmlformats.org/officeDocument/2006/relationships" xmlns:p="http://schemas.openxmlformats.org/presentationml/2006/main">
+  <p:cSld>
+    <p:spTree>
+      <p:nvGrpSpPr>
+        <p:cNvPr id="1" name=""/>
+        <p:cNvGrpSpPr/>
+        <p:nvPr/>
+      </p:nvGrpSpPr>
+      <p:grpSpPr>
+        <a:xfrm>
+          <a:off x="0" y="0"/>
+          <a:ext cx="0" cy="0"/>
+          <a:chOff x="0" y="0"/>
+          <a:chExt cx="0" cy="0"/>
+        </a:xfrm>
+      </p:grpSpPr>
+      <p:sp>
+        <p:nvSpPr>
+          <p:cNvPr id="2" name="Title 1">
+            <a:extLst>
+              <a:ext uri="{FF2B5EF4-FFF2-40B4-BE49-F238E27FC236}">
+                <a16:creationId xmlns:a16="http://schemas.microsoft.com/office/drawing/2014/main" id="{42191BD5-7D45-7078-2D87-F8D19D7AEE86}"/>
+              </a:ext>
+            </a:extLst>
+          </p:cNvPr>
+          <p:cNvSpPr>
+            <a:spLocks noGrp="1"/>
+          </p:cNvSpPr>
+          <p:nvPr>
+            <p:ph type="title"/>
+          </p:nvPr>
+        </p:nvSpPr>
+        <p:spPr/>
+        <p:txBody>
+          <a:bodyPr/>
+          <a:lstStyle/>
+          <a:p>
+            <a:endParaRPr lang="en-GB"/>
+          </a:p>
+        </p:txBody>
+      </p:sp>
+      <p:sp>
+        <p:nvSpPr>
+          <p:cNvPr id="3" name="Content Placeholder 2">
+            <a:extLst>
+              <a:ext uri="{FF2B5EF4-FFF2-40B4-BE49-F238E27FC236}">
+                <a16:creationId xmlns:a16="http://schemas.microsoft.com/office/drawing/2014/main" id="{4B66CF9E-D47C-BB33-1E42-21029B9DF05A}"/>
+              </a:ext>
+            </a:extLst>
+          </p:cNvPr>
+          <p:cNvSpPr>
+            <a:spLocks noGrp="1"/>
+          </p:cNvSpPr>
+          <p:nvPr>
+            <p:ph idx="1"/>
+          </p:nvPr>
+        </p:nvSpPr>
+        <p:spPr/>
+        <p:txBody>
+          <a:bodyPr/>
+          <a:lstStyle/>
+          <a:p>
+            <a:endParaRPr lang="en-GB"/>
+          </a:p>
+        </p:txBody>
+      </p:sp>
+      <p:sp>
+        <p:nvSpPr>
+          <p:cNvPr id="4" name="Slide Number Placeholder 3">
+            <a:extLst>
+              <a:ext uri="{FF2B5EF4-FFF2-40B4-BE49-F238E27FC236}">
+                <a16:creationId xmlns:a16="http://schemas.microsoft.com/office/drawing/2014/main" id="{E568D93D-5BA5-4348-2031-5127746D773E}"/>
+              </a:ext>
+            </a:extLst>
+          </p:cNvPr>
+          <p:cNvSpPr>
+            <a:spLocks noGrp="1"/>
+          </p:cNvSpPr>
+          <p:nvPr>
+            <p:ph type="sldNum" sz="quarter" idx="12"/>
+          </p:nvPr>
+        </p:nvSpPr>
+        <p:spPr/>
+        <p:txBody>
+          <a:bodyPr/>
+          <a:lstStyle/>
+          <a:p>
+            <a:fld id="{CC057153-B650-4DEB-B370-79DDCFDCE934}" type="slidenum">
+              <a:rPr lang="en-US" smtClean="0"/>
+              <a:t>21</a:t>
             </a:fld>
             <a:endParaRPr lang="en-US"/>
           </a:p>
